--- a/presentation.pptx
+++ b/presentation.pptx
@@ -6,14 +6,16 @@
   </p:sldMasterIdLst>
   <p:sldIdLst>
     <p:sldId id="256" r:id="rId2"/>
-    <p:sldId id="257" r:id="rId3"/>
-    <p:sldId id="258" r:id="rId4"/>
-    <p:sldId id="260" r:id="rId5"/>
-    <p:sldId id="259" r:id="rId6"/>
-    <p:sldId id="261" r:id="rId7"/>
-    <p:sldId id="262" r:id="rId8"/>
-    <p:sldId id="263" r:id="rId9"/>
-    <p:sldId id="264" r:id="rId10"/>
+    <p:sldId id="265" r:id="rId3"/>
+    <p:sldId id="257" r:id="rId4"/>
+    <p:sldId id="258" r:id="rId5"/>
+    <p:sldId id="260" r:id="rId6"/>
+    <p:sldId id="259" r:id="rId7"/>
+    <p:sldId id="261" r:id="rId8"/>
+    <p:sldId id="262" r:id="rId9"/>
+    <p:sldId id="263" r:id="rId10"/>
+    <p:sldId id="264" r:id="rId11"/>
+    <p:sldId id="266" r:id="rId12"/>
   </p:sldIdLst>
   <p:sldSz cx="12192000" cy="6858000"/>
   <p:notesSz cx="6858000" cy="9144000"/>
@@ -288,7 +290,7 @@
           <a:p>
             <a:fld id="{B17780B3-3F88-D44F-9EB4-156FE89A8DFF}" type="datetimeFigureOut">
               <a:rPr lang="en-US" smtClean="0"/>
-              <a:t>12/6/17</a:t>
+              <a:t>12/7/17</a:t>
             </a:fld>
             <a:endParaRPr lang="en-US"/>
           </a:p>
@@ -516,7 +518,7 @@
           <a:p>
             <a:fld id="{B17780B3-3F88-D44F-9EB4-156FE89A8DFF}" type="datetimeFigureOut">
               <a:rPr lang="en-US" smtClean="0"/>
-              <a:t>12/6/17</a:t>
+              <a:t>12/7/17</a:t>
             </a:fld>
             <a:endParaRPr lang="en-US"/>
           </a:p>
@@ -691,7 +693,7 @@
           <a:p>
             <a:fld id="{B17780B3-3F88-D44F-9EB4-156FE89A8DFF}" type="datetimeFigureOut">
               <a:rPr lang="en-US" smtClean="0"/>
-              <a:t>12/6/17</a:t>
+              <a:t>12/7/17</a:t>
             </a:fld>
             <a:endParaRPr lang="en-US"/>
           </a:p>
@@ -856,7 +858,7 @@
           <a:p>
             <a:fld id="{B17780B3-3F88-D44F-9EB4-156FE89A8DFF}" type="datetimeFigureOut">
               <a:rPr lang="en-US" smtClean="0"/>
-              <a:t>12/6/17</a:t>
+              <a:t>12/7/17</a:t>
             </a:fld>
             <a:endParaRPr lang="en-US"/>
           </a:p>
@@ -1105,7 +1107,7 @@
           <a:p>
             <a:fld id="{B17780B3-3F88-D44F-9EB4-156FE89A8DFF}" type="datetimeFigureOut">
               <a:rPr lang="en-US" smtClean="0"/>
-              <a:t>12/6/17</a:t>
+              <a:t>12/7/17</a:t>
             </a:fld>
             <a:endParaRPr lang="en-US"/>
           </a:p>
@@ -1426,7 +1428,7 @@
           <a:p>
             <a:fld id="{B17780B3-3F88-D44F-9EB4-156FE89A8DFF}" type="datetimeFigureOut">
               <a:rPr lang="en-US" smtClean="0"/>
-              <a:t>12/6/17</a:t>
+              <a:t>12/7/17</a:t>
             </a:fld>
             <a:endParaRPr lang="en-US"/>
           </a:p>
@@ -1872,7 +1874,7 @@
           <a:p>
             <a:fld id="{B17780B3-3F88-D44F-9EB4-156FE89A8DFF}" type="datetimeFigureOut">
               <a:rPr lang="en-US" smtClean="0"/>
-              <a:t>12/6/17</a:t>
+              <a:t>12/7/17</a:t>
             </a:fld>
             <a:endParaRPr lang="en-US"/>
           </a:p>
@@ -1985,7 +1987,7 @@
           <a:p>
             <a:fld id="{B17780B3-3F88-D44F-9EB4-156FE89A8DFF}" type="datetimeFigureOut">
               <a:rPr lang="en-US" smtClean="0"/>
-              <a:t>12/6/17</a:t>
+              <a:t>12/7/17</a:t>
             </a:fld>
             <a:endParaRPr lang="en-US"/>
           </a:p>
@@ -2075,7 +2077,7 @@
           <a:p>
             <a:fld id="{B17780B3-3F88-D44F-9EB4-156FE89A8DFF}" type="datetimeFigureOut">
               <a:rPr lang="en-US" smtClean="0"/>
-              <a:t>12/6/17</a:t>
+              <a:t>12/7/17</a:t>
             </a:fld>
             <a:endParaRPr lang="en-US"/>
           </a:p>
@@ -2362,7 +2364,7 @@
           <a:p>
             <a:fld id="{B17780B3-3F88-D44F-9EB4-156FE89A8DFF}" type="datetimeFigureOut">
               <a:rPr lang="en-US" smtClean="0"/>
-              <a:t>12/6/17</a:t>
+              <a:t>12/7/17</a:t>
             </a:fld>
             <a:endParaRPr lang="en-US"/>
           </a:p>
@@ -2684,7 +2686,7 @@
           <a:p>
             <a:fld id="{B17780B3-3F88-D44F-9EB4-156FE89A8DFF}" type="datetimeFigureOut">
               <a:rPr lang="en-US" smtClean="0"/>
-              <a:t>12/6/17</a:t>
+              <a:t>12/7/17</a:t>
             </a:fld>
             <a:endParaRPr lang="en-US"/>
           </a:p>
@@ -2933,7 +2935,7 @@
           <a:p>
             <a:fld id="{B17780B3-3F88-D44F-9EB4-156FE89A8DFF}" type="datetimeFigureOut">
               <a:rPr lang="en-US" smtClean="0"/>
-              <a:t>12/6/17</a:t>
+              <a:t>12/7/17</a:t>
             </a:fld>
             <a:endParaRPr lang="en-US"/>
           </a:p>
@@ -3487,6 +3489,283 @@
 </p:sld>
 </file>
 
+<file path=ppt/slides/slide10.xml><?xml version="1.0" encoding="utf-8"?>
+<p:sld xmlns:a="http://schemas.openxmlformats.org/drawingml/2006/main" xmlns:r="http://schemas.openxmlformats.org/officeDocument/2006/relationships" xmlns:p="http://schemas.openxmlformats.org/presentationml/2006/main">
+  <p:cSld>
+    <p:spTree>
+      <p:nvGrpSpPr>
+        <p:cNvPr id="1" name=""/>
+        <p:cNvGrpSpPr/>
+        <p:nvPr/>
+      </p:nvGrpSpPr>
+      <p:grpSpPr>
+        <a:xfrm>
+          <a:off x="0" y="0"/>
+          <a:ext cx="0" cy="0"/>
+          <a:chOff x="0" y="0"/>
+          <a:chExt cx="0" cy="0"/>
+        </a:xfrm>
+      </p:grpSpPr>
+      <p:sp>
+        <p:nvSpPr>
+          <p:cNvPr id="2" name="Title 1"/>
+          <p:cNvSpPr>
+            <a:spLocks noGrp="1"/>
+          </p:cNvSpPr>
+          <p:nvPr>
+            <p:ph type="title"/>
+          </p:nvPr>
+        </p:nvSpPr>
+        <p:spPr/>
+        <p:txBody>
+          <a:bodyPr/>
+          <a:lstStyle/>
+          <a:p>
+            <a:r>
+              <a:rPr lang="en-US" dirty="0" smtClean="0"/>
+              <a:t>Issues</a:t>
+            </a:r>
+            <a:endParaRPr lang="en-US" dirty="0"/>
+          </a:p>
+        </p:txBody>
+      </p:sp>
+      <p:sp>
+        <p:nvSpPr>
+          <p:cNvPr id="3" name="Content Placeholder 2"/>
+          <p:cNvSpPr>
+            <a:spLocks noGrp="1"/>
+          </p:cNvSpPr>
+          <p:nvPr>
+            <p:ph idx="1"/>
+          </p:nvPr>
+        </p:nvSpPr>
+        <p:spPr>
+          <a:xfrm>
+            <a:off x="-1" y="1828800"/>
+            <a:ext cx="6872323" cy="4351337"/>
+          </a:xfrm>
+        </p:spPr>
+        <p:txBody>
+          <a:bodyPr/>
+          <a:lstStyle/>
+          <a:p>
+            <a:pPr marL="0" indent="0">
+              <a:buNone/>
+            </a:pPr>
+            <a:r>
+              <a:rPr lang="en-US" dirty="0" smtClean="0"/>
+              <a:t>We’re currently setting </a:t>
+            </a:r>
+            <a:r>
+              <a:rPr lang="en-US" dirty="0" err="1" smtClean="0"/>
+              <a:t>ARWorldTrackingConfiguration</a:t>
+            </a:r>
+            <a:r>
+              <a:rPr lang="en-US" dirty="0" smtClean="0"/>
+              <a:t> to </a:t>
+            </a:r>
+            <a:r>
+              <a:rPr lang="en-US" dirty="0" err="1" smtClean="0"/>
+              <a:t>gravityAndHeading</a:t>
+            </a:r>
+            <a:r>
+              <a:rPr lang="en-US" dirty="0"/>
+              <a:t> which modifies the coordinate system </a:t>
+            </a:r>
+            <a:r>
+              <a:rPr lang="en-US" dirty="0" smtClean="0"/>
+              <a:t>so the </a:t>
+            </a:r>
+            <a:r>
+              <a:rPr lang="en-US" dirty="0"/>
+              <a:t>y-axis is parallel to gravity, its x- and z-axes are oriented to compass heading, and its origin is the initial position of the device</a:t>
+            </a:r>
+            <a:r>
+              <a:rPr lang="en-US" dirty="0" smtClean="0"/>
+              <a:t>. </a:t>
+            </a:r>
+          </a:p>
+          <a:p>
+            <a:pPr marL="0" indent="0">
+              <a:buNone/>
+            </a:pPr>
+            <a:r>
+              <a:rPr lang="en-US" dirty="0" smtClean="0"/>
+              <a:t>This works great to orientate our node to a real world location, but makes placement of the node harder to determine. </a:t>
+            </a:r>
+          </a:p>
+          <a:p>
+            <a:pPr marL="0" indent="0">
+              <a:buNone/>
+            </a:pPr>
+            <a:r>
+              <a:rPr lang="en-US" dirty="0" err="1" smtClean="0"/>
+              <a:t>ARKit</a:t>
+            </a:r>
+            <a:r>
+              <a:rPr lang="en-US" dirty="0" smtClean="0"/>
+              <a:t> has an </a:t>
+            </a:r>
+            <a:r>
+              <a:rPr lang="en-US" dirty="0" err="1" smtClean="0"/>
+              <a:t>ARAnchor</a:t>
+            </a:r>
+            <a:r>
+              <a:rPr lang="en-US" dirty="0" smtClean="0"/>
+              <a:t> object that can be used for plane detection and object placement. We’re looking into detecting flat surfaces directly in front of the user’s device and attaching our arrow node to that anchor, so that the arrow will always be visible in the direction the user is facing.</a:t>
+            </a:r>
+            <a:endParaRPr lang="en-US" dirty="0"/>
+          </a:p>
+        </p:txBody>
+      </p:sp>
+      <p:pic>
+        <p:nvPicPr>
+          <p:cNvPr id="4" name="Picture 3"/>
+          <p:cNvPicPr>
+            <a:picLocks noChangeAspect="1"/>
+          </p:cNvPicPr>
+          <p:nvPr/>
+        </p:nvPicPr>
+        <p:blipFill>
+          <a:blip r:embed="rId2">
+            <a:extLst>
+              <a:ext uri="{28A0092B-C50C-407E-A947-70E740481C1C}">
+                <a14:useLocalDpi xmlns:a14="http://schemas.microsoft.com/office/drawing/2010/main" val="0"/>
+              </a:ext>
+            </a:extLst>
+          </a:blip>
+          <a:stretch>
+            <a:fillRect/>
+          </a:stretch>
+        </p:blipFill>
+        <p:spPr>
+          <a:xfrm>
+            <a:off x="6872322" y="881150"/>
+            <a:ext cx="4380837" cy="5029200"/>
+          </a:xfrm>
+          <a:prstGeom prst="rect">
+            <a:avLst/>
+          </a:prstGeom>
+        </p:spPr>
+      </p:pic>
+    </p:spTree>
+    <p:extLst>
+      <p:ext uri="{BB962C8B-B14F-4D97-AF65-F5344CB8AC3E}">
+        <p14:creationId xmlns:p14="http://schemas.microsoft.com/office/powerpoint/2010/main" val="1912832513"/>
+      </p:ext>
+    </p:extLst>
+  </p:cSld>
+  <p:clrMapOvr>
+    <a:masterClrMapping/>
+  </p:clrMapOvr>
+</p:sld>
+</file>
+
+<file path=ppt/slides/slide11.xml><?xml version="1.0" encoding="utf-8"?>
+<p:sld xmlns:a="http://schemas.openxmlformats.org/drawingml/2006/main" xmlns:r="http://schemas.openxmlformats.org/officeDocument/2006/relationships" xmlns:p="http://schemas.openxmlformats.org/presentationml/2006/main">
+  <p:cSld>
+    <p:spTree>
+      <p:nvGrpSpPr>
+        <p:cNvPr id="1" name=""/>
+        <p:cNvGrpSpPr/>
+        <p:nvPr/>
+      </p:nvGrpSpPr>
+      <p:grpSpPr>
+        <a:xfrm>
+          <a:off x="0" y="0"/>
+          <a:ext cx="0" cy="0"/>
+          <a:chOff x="0" y="0"/>
+          <a:chExt cx="0" cy="0"/>
+        </a:xfrm>
+      </p:grpSpPr>
+      <p:sp>
+        <p:nvSpPr>
+          <p:cNvPr id="2" name="Title 1"/>
+          <p:cNvSpPr>
+            <a:spLocks noGrp="1"/>
+          </p:cNvSpPr>
+          <p:nvPr>
+            <p:ph type="title"/>
+          </p:nvPr>
+        </p:nvSpPr>
+        <p:spPr/>
+        <p:txBody>
+          <a:bodyPr/>
+          <a:lstStyle/>
+          <a:p>
+            <a:r>
+              <a:rPr lang="en-US" dirty="0" smtClean="0"/>
+              <a:t>Next Steps</a:t>
+            </a:r>
+            <a:endParaRPr lang="en-US" dirty="0"/>
+          </a:p>
+        </p:txBody>
+      </p:sp>
+      <p:sp>
+        <p:nvSpPr>
+          <p:cNvPr id="3" name="Content Placeholder 2"/>
+          <p:cNvSpPr>
+            <a:spLocks noGrp="1"/>
+          </p:cNvSpPr>
+          <p:nvPr>
+            <p:ph idx="1"/>
+          </p:nvPr>
+        </p:nvSpPr>
+        <p:spPr/>
+        <p:txBody>
+          <a:bodyPr/>
+          <a:lstStyle/>
+          <a:p>
+            <a:r>
+              <a:rPr lang="en-US" dirty="0" smtClean="0"/>
+              <a:t>Map the latitude and longitude coordinates of nodes around campus and implement them as a graph data structure</a:t>
+            </a:r>
+          </a:p>
+          <a:p>
+            <a:r>
+              <a:rPr lang="en-US" dirty="0" smtClean="0"/>
+              <a:t>Implement shortest path algorithm</a:t>
+            </a:r>
+          </a:p>
+          <a:p>
+            <a:r>
+              <a:rPr lang="en-US" dirty="0" smtClean="0"/>
+              <a:t>Implement UI</a:t>
+            </a:r>
+          </a:p>
+          <a:p>
+            <a:r>
+              <a:rPr lang="en-US" dirty="0" smtClean="0"/>
+              <a:t>Setup a webserver to host an application that will allow the addition of new coordinate nodes</a:t>
+            </a:r>
+          </a:p>
+          <a:p>
+            <a:endParaRPr lang="en-US" dirty="0" smtClean="0"/>
+          </a:p>
+          <a:p>
+            <a:endParaRPr lang="en-US" dirty="0" smtClean="0"/>
+          </a:p>
+          <a:p>
+            <a:endParaRPr lang="en-US" dirty="0" smtClean="0"/>
+          </a:p>
+          <a:p>
+            <a:endParaRPr lang="en-US" dirty="0"/>
+          </a:p>
+        </p:txBody>
+      </p:sp>
+    </p:spTree>
+    <p:extLst>
+      <p:ext uri="{BB962C8B-B14F-4D97-AF65-F5344CB8AC3E}">
+        <p14:creationId xmlns:p14="http://schemas.microsoft.com/office/powerpoint/2010/main" val="94102310"/>
+      </p:ext>
+    </p:extLst>
+  </p:cSld>
+  <p:clrMapOvr>
+    <a:masterClrMapping/>
+  </p:clrMapOvr>
+</p:sld>
+</file>
+
 <file path=ppt/slides/slide2.xml><?xml version="1.0" encoding="utf-8"?>
 <p:sld xmlns:a="http://schemas.openxmlformats.org/drawingml/2006/main" xmlns:r="http://schemas.openxmlformats.org/officeDocument/2006/relationships" xmlns:p="http://schemas.openxmlformats.org/presentationml/2006/main">
   <p:cSld>
@@ -3521,7 +3800,7 @@
           <a:p>
             <a:r>
               <a:rPr lang="en-US" dirty="0" smtClean="0"/>
-              <a:t>Survey Results</a:t>
+              <a:t>The App</a:t>
             </a:r>
             <a:endParaRPr lang="en-US" dirty="0"/>
           </a:p>
@@ -3537,59 +3816,62 @@
             <p:ph idx="1"/>
           </p:nvPr>
         </p:nvSpPr>
-        <p:spPr/>
-        <p:txBody>
-          <a:bodyPr/>
+        <p:spPr>
+          <a:xfrm>
+            <a:off x="0" y="1828800"/>
+            <a:ext cx="11281410" cy="4351337"/>
+          </a:xfrm>
+        </p:spPr>
+        <p:txBody>
+          <a:bodyPr>
+            <a:noAutofit/>
+          </a:bodyPr>
           <a:lstStyle/>
           <a:p>
             <a:r>
-              <a:rPr lang="en-US" dirty="0" smtClean="0"/>
-              <a:t>70% of survey respondents reported iOS as their mobile operating system</a:t>
-            </a:r>
-          </a:p>
-          <a:p>
-            <a:r>
-              <a:rPr lang="en-US" dirty="0" smtClean="0"/>
-              <a:t>88% thought an AR navigational app would help students find their way around campus</a:t>
-            </a:r>
-          </a:p>
-          <a:p>
-            <a:r>
-              <a:rPr lang="en-US" dirty="0" smtClean="0"/>
-              <a:t>55% were likely to very likely to use an AR navigational app</a:t>
-            </a:r>
-          </a:p>
-          <a:p>
-            <a:r>
-              <a:rPr lang="en-US" dirty="0" smtClean="0"/>
-              <a:t>95% thought an AR navigational app that provided locations and navigation to current events would be useful</a:t>
-            </a:r>
-          </a:p>
-          <a:p>
-            <a:r>
-              <a:rPr lang="en-US" dirty="0" smtClean="0"/>
-              <a:t>80% were likely to very likely to use an AR app that provided locations and navigation to current events</a:t>
-            </a:r>
-          </a:p>
-          <a:p>
-            <a:r>
-              <a:rPr lang="en-US" dirty="0" smtClean="0"/>
-              <a:t>100% thought an AR app with fitness features would be beneficial to students</a:t>
-            </a:r>
-          </a:p>
-          <a:p>
-            <a:r>
-              <a:rPr lang="en-US" dirty="0" smtClean="0"/>
-              <a:t>92% were likely to use an AR app with fitness features</a:t>
-            </a:r>
-            <a:endParaRPr lang="en-US" dirty="0"/>
+              <a:rPr lang="en-US" sz="2600" dirty="0" smtClean="0"/>
+              <a:t>An application that utilizes augmented reality (AR) to the benefit of students and faculty on campus</a:t>
+            </a:r>
+          </a:p>
+          <a:p>
+            <a:r>
+              <a:rPr lang="en-US" sz="2600" dirty="0" smtClean="0"/>
+              <a:t>Students can use the app to navigate to specific buildings</a:t>
+            </a:r>
+          </a:p>
+          <a:p>
+            <a:r>
+              <a:rPr lang="en-US" sz="2600" dirty="0" smtClean="0"/>
+              <a:t>Students can use the app to navigate to current events happening around campus</a:t>
+            </a:r>
+          </a:p>
+          <a:p>
+            <a:r>
+              <a:rPr lang="en-US" sz="2600" strike="sngStrike" dirty="0" smtClean="0"/>
+              <a:t>Students can view department-specific bulletin boards around campus with up-to-date information and events</a:t>
+            </a:r>
+          </a:p>
+          <a:p>
+            <a:r>
+              <a:rPr lang="en-US" sz="2600" dirty="0" smtClean="0"/>
+              <a:t>Faculty will have a simple template to </a:t>
+            </a:r>
+            <a:r>
+              <a:rPr lang="en-US" sz="2600" strike="sngStrike" dirty="0" smtClean="0"/>
+              <a:t>add documents/articles to bulletin boards as well as</a:t>
+            </a:r>
+            <a:r>
+              <a:rPr lang="en-US" sz="2600" dirty="0" smtClean="0"/>
+              <a:t> add events at custom location nodes around campus</a:t>
+            </a:r>
+            <a:endParaRPr lang="en-US" sz="2600" dirty="0"/>
           </a:p>
         </p:txBody>
       </p:sp>
     </p:spTree>
     <p:extLst>
       <p:ext uri="{BB962C8B-B14F-4D97-AF65-F5344CB8AC3E}">
-        <p14:creationId xmlns:p14="http://schemas.microsoft.com/office/powerpoint/2010/main" val="847435933"/>
+        <p14:creationId xmlns:p14="http://schemas.microsoft.com/office/powerpoint/2010/main" val="1274415184"/>
       </p:ext>
     </p:extLst>
   </p:cSld>
@@ -3633,7 +3915,7 @@
           <a:p>
             <a:r>
               <a:rPr lang="en-US" dirty="0" smtClean="0"/>
-              <a:t>Vision and Scope Modifications</a:t>
+              <a:t>Survey Results</a:t>
             </a:r>
             <a:endParaRPr lang="en-US" dirty="0"/>
           </a:p>
@@ -3654,192 +3936,62 @@
           <a:bodyPr/>
           <a:lstStyle/>
           <a:p>
-            <a:pPr marL="0" marR="0" lvl="0" indent="0" defTabSz="914400" eaLnBrk="1" fontAlgn="auto" latinLnBrk="0" hangingPunct="1">
-              <a:lnSpc>
-                <a:spcPct val="100000"/>
-              </a:lnSpc>
-              <a:spcBef>
-                <a:spcPts val="0"/>
-              </a:spcBef>
-              <a:spcAft>
-                <a:spcPts val="0"/>
-              </a:spcAft>
-              <a:buClrTx/>
-              <a:buSzTx/>
-              <a:buFontTx/>
-              <a:buNone/>
-              <a:tabLst/>
-              <a:defRPr/>
-            </a:pPr>
             <a:r>
               <a:rPr lang="en-US" dirty="0" smtClean="0"/>
-              <a:t>As a result of the survey data we gathered, we altered our requirements as follows:</a:t>
-            </a:r>
-          </a:p>
-          <a:p>
-            <a:pPr marL="0" marR="0" lvl="0" indent="0" defTabSz="914400" eaLnBrk="1" fontAlgn="auto" latinLnBrk="0" hangingPunct="1">
-              <a:lnSpc>
-                <a:spcPct val="100000"/>
-              </a:lnSpc>
-              <a:spcBef>
-                <a:spcPts val="0"/>
-              </a:spcBef>
-              <a:spcAft>
-                <a:spcPts val="0"/>
-              </a:spcAft>
-              <a:buClrTx/>
-              <a:buSzTx/>
-              <a:buFontTx/>
-              <a:buNone/>
-              <a:tabLst/>
-              <a:defRPr/>
-            </a:pPr>
+              <a:t>70% of survey respondents reported iOS as their mobile operating system</a:t>
+            </a:r>
+          </a:p>
+          <a:p>
+            <a:r>
+              <a:rPr lang="en-US" dirty="0" smtClean="0"/>
+              <a:t>88% thought an AR navigational app would help students find their way around campus</a:t>
+            </a:r>
+          </a:p>
+          <a:p>
+            <a:r>
+              <a:rPr lang="en-US" dirty="0" smtClean="0"/>
+              <a:t>55% were likely to very likely to use an AR navigational app</a:t>
+            </a:r>
+          </a:p>
+          <a:p>
+            <a:r>
+              <a:rPr lang="en-US" dirty="0" smtClean="0"/>
+              <a:t>95% thought an AR navigational app that provided locations and navigation to current events would be useful</a:t>
+            </a:r>
+          </a:p>
+          <a:p>
+            <a:r>
+              <a:rPr lang="en-US" dirty="0" smtClean="0"/>
+              <a:t>80% were likely to very likely to use an AR app that provided locations and navigation to </a:t>
+            </a:r>
+            <a:r>
+              <a:rPr lang="en-US" dirty="0" smtClean="0"/>
+              <a:t>current/cultural </a:t>
+            </a:r>
+            <a:r>
+              <a:rPr lang="en-US" dirty="0" smtClean="0"/>
+              <a:t>events</a:t>
+            </a:r>
+          </a:p>
+          <a:p>
+            <a:r>
+              <a:rPr lang="en-US" dirty="0" smtClean="0"/>
+              <a:t>100% thought an AR app with fitness features would be beneficial to students</a:t>
+            </a:r>
+          </a:p>
+          <a:p>
+            <a:r>
+              <a:rPr lang="en-US" dirty="0" smtClean="0"/>
+              <a:t>92% were likely to use an AR app with fitness features</a:t>
+            </a:r>
             <a:endParaRPr lang="en-US" dirty="0"/>
-          </a:p>
-          <a:p>
-            <a:pPr>
-              <a:lnSpc>
-                <a:spcPct val="100000"/>
-              </a:lnSpc>
-              <a:spcBef>
-                <a:spcPts val="0"/>
-              </a:spcBef>
-              <a:spcAft>
-                <a:spcPts val="0"/>
-              </a:spcAft>
-              <a:buClrTx/>
-              <a:buSzTx/>
-            </a:pPr>
-            <a:r>
-              <a:rPr lang="en-US" dirty="0" smtClean="0"/>
-              <a:t>iOS users are the priority/majority</a:t>
-            </a:r>
-          </a:p>
-          <a:p>
-            <a:pPr lvl="1">
-              <a:lnSpc>
-                <a:spcPct val="100000"/>
-              </a:lnSpc>
-              <a:spcBef>
-                <a:spcPts val="0"/>
-              </a:spcBef>
-              <a:spcAft>
-                <a:spcPts val="0"/>
-              </a:spcAft>
-              <a:buClrTx/>
-            </a:pPr>
-            <a:r>
-              <a:rPr lang="en-US" dirty="0" smtClean="0"/>
-              <a:t>Xamarin cross-platform app is still a possibility/technology we’re looking into, but as </a:t>
-            </a:r>
-            <a:r>
-              <a:rPr lang="en-US" dirty="0" err="1" smtClean="0"/>
-              <a:t>ARKit</a:t>
-            </a:r>
-            <a:r>
-              <a:rPr lang="en-US" dirty="0" smtClean="0"/>
-              <a:t> and </a:t>
-            </a:r>
-            <a:r>
-              <a:rPr lang="en-US" dirty="0" err="1" smtClean="0"/>
-              <a:t>ARCore</a:t>
-            </a:r>
-            <a:r>
-              <a:rPr lang="en-US" dirty="0" smtClean="0"/>
-              <a:t> are two separate frameworks, a lot of the code would not be shared.</a:t>
-            </a:r>
-          </a:p>
-          <a:p>
-            <a:pPr>
-              <a:lnSpc>
-                <a:spcPct val="100000"/>
-              </a:lnSpc>
-              <a:spcBef>
-                <a:spcPts val="0"/>
-              </a:spcBef>
-              <a:spcAft>
-                <a:spcPts val="0"/>
-              </a:spcAft>
-              <a:buClrTx/>
-              <a:buSzTx/>
-            </a:pPr>
-            <a:r>
-              <a:rPr lang="en-US" dirty="0" smtClean="0"/>
-              <a:t>Dropped support for AR bulletin boards</a:t>
-            </a:r>
-          </a:p>
-          <a:p>
-            <a:pPr lvl="1">
-              <a:lnSpc>
-                <a:spcPct val="100000"/>
-              </a:lnSpc>
-              <a:spcBef>
-                <a:spcPts val="0"/>
-              </a:spcBef>
-              <a:spcAft>
-                <a:spcPts val="0"/>
-              </a:spcAft>
-              <a:buClrTx/>
-            </a:pPr>
-            <a:r>
-              <a:rPr lang="en-US" dirty="0" smtClean="0"/>
-              <a:t>It didn’t make a lot of sense to be forced to go to a specific location to access information.</a:t>
-            </a:r>
-          </a:p>
-          <a:p>
-            <a:pPr lvl="1">
-              <a:lnSpc>
-                <a:spcPct val="100000"/>
-              </a:lnSpc>
-              <a:spcBef>
-                <a:spcPts val="0"/>
-              </a:spcBef>
-              <a:spcAft>
-                <a:spcPts val="0"/>
-              </a:spcAft>
-              <a:buClrTx/>
-            </a:pPr>
-            <a:r>
-              <a:rPr lang="en-US" dirty="0" smtClean="0"/>
-              <a:t>If added in a subsequent release, the information should be available regardless of the user’s location.</a:t>
-            </a:r>
-          </a:p>
-          <a:p>
-            <a:pPr lvl="1">
-              <a:lnSpc>
-                <a:spcPct val="100000"/>
-              </a:lnSpc>
-              <a:spcBef>
-                <a:spcPts val="0"/>
-              </a:spcBef>
-              <a:spcAft>
-                <a:spcPts val="0"/>
-              </a:spcAft>
-              <a:buClrTx/>
-            </a:pPr>
-            <a:endParaRPr lang="en-US" dirty="0"/>
-          </a:p>
-          <a:p>
-            <a:pPr lvl="1">
-              <a:lnSpc>
-                <a:spcPct val="100000"/>
-              </a:lnSpc>
-              <a:spcBef>
-                <a:spcPts val="0"/>
-              </a:spcBef>
-              <a:spcAft>
-                <a:spcPts val="0"/>
-              </a:spcAft>
-              <a:buClrTx/>
-            </a:pPr>
-            <a:endParaRPr lang="en-US" dirty="0" smtClean="0"/>
           </a:p>
         </p:txBody>
       </p:sp>
     </p:spTree>
     <p:extLst>
       <p:ext uri="{BB962C8B-B14F-4D97-AF65-F5344CB8AC3E}">
-        <p14:creationId xmlns:p14="http://schemas.microsoft.com/office/powerpoint/2010/main" val="1956100248"/>
+        <p14:creationId xmlns:p14="http://schemas.microsoft.com/office/powerpoint/2010/main" val="847435933"/>
       </p:ext>
     </p:extLst>
   </p:cSld>
@@ -3882,12 +4034,8 @@
           <a:lstStyle/>
           <a:p>
             <a:r>
-              <a:rPr lang="en-US" dirty="0" err="1" smtClean="0"/>
-              <a:t>SceneKit</a:t>
-            </a:r>
-            <a:r>
               <a:rPr lang="en-US" dirty="0" smtClean="0"/>
-              <a:t> Library</a:t>
+              <a:t>Vision and Scope Modifications</a:t>
             </a:r>
             <a:endParaRPr lang="en-US" dirty="0"/>
           </a:p>
@@ -3908,57 +4056,192 @@
           <a:bodyPr/>
           <a:lstStyle/>
           <a:p>
-            <a:pPr marL="0" indent="0">
-              <a:buNone/>
+            <a:pPr marL="0" marR="0" lvl="0" indent="0" defTabSz="914400" eaLnBrk="1" fontAlgn="auto" latinLnBrk="0" hangingPunct="1">
+              <a:lnSpc>
+                <a:spcPct val="100000"/>
+              </a:lnSpc>
+              <a:spcBef>
+                <a:spcPts val="0"/>
+              </a:spcBef>
+              <a:spcAft>
+                <a:spcPts val="0"/>
+              </a:spcAft>
+              <a:buClrTx/>
+              <a:buSzTx/>
+              <a:buFontTx/>
+              <a:buNone/>
+              <a:tabLst/>
+              <a:defRPr/>
             </a:pPr>
             <a:r>
-              <a:rPr lang="en-US" dirty="0" err="1"/>
-              <a:t>SceneKit</a:t>
-            </a:r>
-            <a:r>
-              <a:rPr lang="en-US" dirty="0"/>
-              <a:t> combines a high-performance rendering engine with a descriptive API for import, manipulation, and rendering of 3D assets</a:t>
-            </a:r>
-            <a:r>
               <a:rPr lang="en-US" dirty="0" smtClean="0"/>
-              <a:t>.</a:t>
-            </a:r>
-          </a:p>
-          <a:p>
-            <a:r>
-              <a:rPr lang="en-US" b="1" dirty="0" err="1" smtClean="0"/>
-              <a:t>SCNNode</a:t>
-            </a:r>
-            <a:endParaRPr lang="en-US" b="1" dirty="0" smtClean="0"/>
-          </a:p>
-          <a:p>
-            <a:pPr lvl="1"/>
-            <a:r>
-              <a:rPr lang="en-US" dirty="0"/>
-              <a:t>A structural element of a scene graph, representing a position and transform in a 3D coordinate space, to which you can attach geometry, lights, cameras, or other displayable content</a:t>
-            </a:r>
+              <a:t>As a result of the survey data we gathered, we altered our requirements as follows:</a:t>
+            </a:r>
+          </a:p>
+          <a:p>
+            <a:pPr marL="0" marR="0" lvl="0" indent="0" defTabSz="914400" eaLnBrk="1" fontAlgn="auto" latinLnBrk="0" hangingPunct="1">
+              <a:lnSpc>
+                <a:spcPct val="100000"/>
+              </a:lnSpc>
+              <a:spcBef>
+                <a:spcPts val="0"/>
+              </a:spcBef>
+              <a:spcAft>
+                <a:spcPts val="0"/>
+              </a:spcAft>
+              <a:buClrTx/>
+              <a:buSzTx/>
+              <a:buFontTx/>
+              <a:buNone/>
+              <a:tabLst/>
+              <a:defRPr/>
+            </a:pPr>
+            <a:endParaRPr lang="en-US" dirty="0"/>
+          </a:p>
+          <a:p>
+            <a:pPr>
+              <a:lnSpc>
+                <a:spcPct val="100000"/>
+              </a:lnSpc>
+              <a:spcBef>
+                <a:spcPts val="0"/>
+              </a:spcBef>
+              <a:spcAft>
+                <a:spcPts val="0"/>
+              </a:spcAft>
+              <a:buClrTx/>
+              <a:buSzTx/>
+            </a:pPr>
             <a:r>
               <a:rPr lang="en-US" dirty="0" smtClean="0"/>
-              <a:t>.</a:t>
-            </a:r>
-          </a:p>
-          <a:p>
-            <a:pPr lvl="1"/>
+              <a:t>iOS users are the priority/majority</a:t>
+            </a:r>
+          </a:p>
+          <a:p>
+            <a:pPr lvl="1">
+              <a:lnSpc>
+                <a:spcPct val="100000"/>
+              </a:lnSpc>
+              <a:spcBef>
+                <a:spcPts val="0"/>
+              </a:spcBef>
+              <a:spcAft>
+                <a:spcPts val="0"/>
+              </a:spcAft>
+              <a:buClrTx/>
+            </a:pPr>
             <a:r>
               <a:rPr lang="en-US" dirty="0" smtClean="0"/>
-              <a:t>Used to create the arrows that will guide the user to their desired location</a:t>
-            </a:r>
-          </a:p>
-          <a:p>
-            <a:pPr lvl="1"/>
+              <a:t>Xamarin cross-platform app is still a possibility/technology we’re looking into, but as </a:t>
+            </a:r>
+            <a:r>
+              <a:rPr lang="en-US" dirty="0" err="1" smtClean="0"/>
+              <a:t>ARKit</a:t>
+            </a:r>
+            <a:r>
+              <a:rPr lang="en-US" dirty="0" smtClean="0"/>
+              <a:t> and </a:t>
+            </a:r>
+            <a:r>
+              <a:rPr lang="en-US" dirty="0" err="1" smtClean="0"/>
+              <a:t>ARCore</a:t>
+            </a:r>
+            <a:r>
+              <a:rPr lang="en-US" dirty="0" smtClean="0"/>
+              <a:t> are two separate frameworks, a lot of the code would not be shared.</a:t>
+            </a:r>
+          </a:p>
+          <a:p>
+            <a:pPr>
+              <a:lnSpc>
+                <a:spcPct val="100000"/>
+              </a:lnSpc>
+              <a:spcBef>
+                <a:spcPts val="0"/>
+              </a:spcBef>
+              <a:spcAft>
+                <a:spcPts val="0"/>
+              </a:spcAft>
+              <a:buClrTx/>
+              <a:buSzTx/>
+            </a:pPr>
+            <a:r>
+              <a:rPr lang="en-US" dirty="0" smtClean="0"/>
+              <a:t>Dropped support for AR bulletin boards</a:t>
+            </a:r>
+          </a:p>
+          <a:p>
+            <a:pPr lvl="1">
+              <a:lnSpc>
+                <a:spcPct val="100000"/>
+              </a:lnSpc>
+              <a:spcBef>
+                <a:spcPts val="0"/>
+              </a:spcBef>
+              <a:spcAft>
+                <a:spcPts val="0"/>
+              </a:spcAft>
+              <a:buClrTx/>
+            </a:pPr>
+            <a:r>
+              <a:rPr lang="en-US" dirty="0" smtClean="0"/>
+              <a:t>It didn’t make a lot of sense to be forced to go to a specific location to access information.</a:t>
+            </a:r>
+          </a:p>
+          <a:p>
+            <a:pPr lvl="1">
+              <a:lnSpc>
+                <a:spcPct val="100000"/>
+              </a:lnSpc>
+              <a:spcBef>
+                <a:spcPts val="0"/>
+              </a:spcBef>
+              <a:spcAft>
+                <a:spcPts val="0"/>
+              </a:spcAft>
+              <a:buClrTx/>
+            </a:pPr>
+            <a:r>
+              <a:rPr lang="en-US" dirty="0" smtClean="0"/>
+              <a:t>If added in a subsequent release, the information should be available regardless of the user’s location.</a:t>
+            </a:r>
+          </a:p>
+          <a:p>
+            <a:pPr lvl="1">
+              <a:lnSpc>
+                <a:spcPct val="100000"/>
+              </a:lnSpc>
+              <a:spcBef>
+                <a:spcPts val="0"/>
+              </a:spcBef>
+              <a:spcAft>
+                <a:spcPts val="0"/>
+              </a:spcAft>
+              <a:buClrTx/>
+            </a:pPr>
             <a:endParaRPr lang="en-US" dirty="0"/>
+          </a:p>
+          <a:p>
+            <a:pPr lvl="1">
+              <a:lnSpc>
+                <a:spcPct val="100000"/>
+              </a:lnSpc>
+              <a:spcBef>
+                <a:spcPts val="0"/>
+              </a:spcBef>
+              <a:spcAft>
+                <a:spcPts val="0"/>
+              </a:spcAft>
+              <a:buClrTx/>
+            </a:pPr>
+            <a:endParaRPr lang="en-US" dirty="0" smtClean="0"/>
           </a:p>
         </p:txBody>
       </p:sp>
     </p:spTree>
     <p:extLst>
       <p:ext uri="{BB962C8B-B14F-4D97-AF65-F5344CB8AC3E}">
-        <p14:creationId xmlns:p14="http://schemas.microsoft.com/office/powerpoint/2010/main" val="1628737485"/>
+        <p14:creationId xmlns:p14="http://schemas.microsoft.com/office/powerpoint/2010/main" val="1956100248"/>
       </p:ext>
     </p:extLst>
   </p:cSld>
@@ -4002,7 +4285,7 @@
           <a:p>
             <a:r>
               <a:rPr lang="en-US" dirty="0" err="1" smtClean="0"/>
-              <a:t>ARKit</a:t>
+              <a:t>SceneKit</a:t>
             </a:r>
             <a:r>
               <a:rPr lang="en-US" dirty="0" smtClean="0"/>
@@ -4031,86 +4314,45 @@
               <a:buNone/>
             </a:pPr>
             <a:r>
+              <a:rPr lang="en-US" dirty="0" err="1"/>
+              <a:t>SceneKit</a:t>
+            </a:r>
+            <a:r>
+              <a:rPr lang="en-US" dirty="0"/>
+              <a:t> combines a high-performance rendering engine with a descriptive API for import, manipulation, and rendering of 3D assets</a:t>
+            </a:r>
+            <a:r>
               <a:rPr lang="en-US" dirty="0" smtClean="0"/>
-              <a:t>Integrates the device’s camera and motion features to produce augmented reality experiences.</a:t>
+              <a:t>.</a:t>
             </a:r>
           </a:p>
           <a:p>
             <a:r>
               <a:rPr lang="en-US" b="1" dirty="0" err="1" smtClean="0"/>
-              <a:t>ARSession</a:t>
+              <a:t>SCNNode</a:t>
             </a:r>
             <a:endParaRPr lang="en-US" b="1" dirty="0" smtClean="0"/>
           </a:p>
           <a:p>
             <a:pPr lvl="1"/>
             <a:r>
+              <a:rPr lang="en-US" dirty="0"/>
+              <a:t>A structural element of a scene graph, representing a position and transform in a 3D coordinate space, to which you can attach geometry, lights, cameras, or other displayable content</a:t>
+            </a:r>
+            <a:r>
               <a:rPr lang="en-US" dirty="0" smtClean="0"/>
-              <a:t>A shared object that manages the device camera and motion processing needed for augmented reality experiences</a:t>
+              <a:t>.</a:t>
             </a:r>
           </a:p>
           <a:p>
             <a:pPr lvl="1"/>
             <a:r>
               <a:rPr lang="en-US" dirty="0" smtClean="0"/>
-              <a:t>Instance is included with an </a:t>
-            </a:r>
-            <a:r>
-              <a:rPr lang="en-US" dirty="0" err="1" smtClean="0"/>
-              <a:t>ARSCNView</a:t>
-            </a:r>
-            <a:r>
-              <a:rPr lang="en-US" dirty="0" smtClean="0"/>
-              <a:t> object</a:t>
+              <a:t>Used to create the arrows that will guide the user to their desired location</a:t>
             </a:r>
           </a:p>
           <a:p>
             <a:pPr lvl="1"/>
-            <a:r>
-              <a:rPr lang="en-US" dirty="0" smtClean="0"/>
-              <a:t>Requires a session configuration via </a:t>
-            </a:r>
-            <a:r>
-              <a:rPr lang="en-US" dirty="0" err="1" smtClean="0"/>
-              <a:t>ARConfiguration</a:t>
-            </a:r>
-            <a:endParaRPr lang="en-US" dirty="0" smtClean="0"/>
-          </a:p>
-          <a:p>
-            <a:r>
-              <a:rPr lang="en-US" b="1" dirty="0" err="1" smtClean="0"/>
-              <a:t>ARWorldTrackingConfiguration</a:t>
-            </a:r>
-            <a:endParaRPr lang="en-US" b="1" dirty="0" smtClean="0"/>
-          </a:p>
-          <a:p>
-            <a:pPr lvl="1"/>
-            <a:r>
-              <a:rPr lang="en-US" dirty="0" smtClean="0"/>
-              <a:t>Uses the rear facing camera to precisely track a device’s position and orientation</a:t>
-            </a:r>
-          </a:p>
-          <a:p>
-            <a:r>
-              <a:rPr lang="en-US" b="1" dirty="0" err="1" smtClean="0"/>
-              <a:t>ARSCNView</a:t>
-            </a:r>
-            <a:endParaRPr lang="en-US" b="1" dirty="0" smtClean="0"/>
-          </a:p>
-          <a:p>
-            <a:pPr lvl="1"/>
-            <a:r>
-              <a:rPr lang="en-US" dirty="0" smtClean="0"/>
-              <a:t>Blends virtual 3D content(</a:t>
-            </a:r>
-            <a:r>
-              <a:rPr lang="en-US" dirty="0" err="1" smtClean="0"/>
-              <a:t>SCNNode</a:t>
-            </a:r>
-            <a:r>
-              <a:rPr lang="en-US" dirty="0" smtClean="0"/>
-              <a:t>) with the device’s camera view of the world</a:t>
-            </a:r>
             <a:endParaRPr lang="en-US" dirty="0"/>
           </a:p>
         </p:txBody>
@@ -4118,7 +4360,7 @@
     </p:spTree>
     <p:extLst>
       <p:ext uri="{BB962C8B-B14F-4D97-AF65-F5344CB8AC3E}">
-        <p14:creationId xmlns:p14="http://schemas.microsoft.com/office/powerpoint/2010/main" val="126158416"/>
+        <p14:creationId xmlns:p14="http://schemas.microsoft.com/office/powerpoint/2010/main" val="1628737485"/>
       </p:ext>
     </p:extLst>
   </p:cSld>
@@ -4162,7 +4404,7 @@
           <a:p>
             <a:r>
               <a:rPr lang="en-US" dirty="0" err="1" smtClean="0"/>
-              <a:t>CoreLocation</a:t>
+              <a:t>ARKit</a:t>
             </a:r>
             <a:r>
               <a:rPr lang="en-US" dirty="0" smtClean="0"/>
@@ -4187,124 +4429,89 @@
           <a:bodyPr/>
           <a:lstStyle/>
           <a:p>
-            <a:pPr marL="0" marR="0" lvl="0" indent="0" defTabSz="914400" eaLnBrk="1" fontAlgn="auto" latinLnBrk="0" hangingPunct="1">
-              <a:lnSpc>
-                <a:spcPct val="100000"/>
-              </a:lnSpc>
-              <a:spcBef>
-                <a:spcPts val="0"/>
-              </a:spcBef>
-              <a:spcAft>
-                <a:spcPts val="0"/>
-              </a:spcAft>
-              <a:buClrTx/>
-              <a:buSzTx/>
-              <a:buFontTx/>
-              <a:buNone/>
-              <a:tabLst/>
-              <a:defRPr/>
+            <a:pPr marL="0" indent="0">
+              <a:buNone/>
             </a:pPr>
             <a:r>
+              <a:rPr lang="en-US" dirty="0" smtClean="0"/>
+              <a:t>Integrates the device’s camera and motion features to produce augmented reality experiences.</a:t>
+            </a:r>
+          </a:p>
+          <a:p>
+            <a:r>
+              <a:rPr lang="en-US" b="1" dirty="0" err="1" smtClean="0"/>
+              <a:t>ARSession</a:t>
+            </a:r>
+            <a:endParaRPr lang="en-US" b="1" dirty="0" smtClean="0"/>
+          </a:p>
+          <a:p>
+            <a:pPr lvl="1"/>
+            <a:r>
+              <a:rPr lang="en-US" dirty="0" smtClean="0"/>
+              <a:t>A shared object that manages the device camera and motion processing needed for augmented reality experiences</a:t>
+            </a:r>
+          </a:p>
+          <a:p>
+            <a:pPr lvl="1"/>
+            <a:r>
+              <a:rPr lang="en-US" dirty="0" smtClean="0"/>
+              <a:t>Instance is included with an </a:t>
+            </a:r>
+            <a:r>
               <a:rPr lang="en-US" dirty="0" err="1" smtClean="0"/>
-              <a:t>CoreLocation</a:t>
+              <a:t>ARSCNView</a:t>
             </a:r>
             <a:r>
               <a:rPr lang="en-US" dirty="0" smtClean="0"/>
-              <a:t> provides services for determining a device’s geographic location, altitude, orientation, or position.</a:t>
-            </a:r>
-          </a:p>
-          <a:p>
-            <a:pPr marL="0" marR="0" lvl="0" indent="0" defTabSz="914400" eaLnBrk="1" fontAlgn="auto" latinLnBrk="0" hangingPunct="1">
-              <a:lnSpc>
-                <a:spcPct val="100000"/>
-              </a:lnSpc>
-              <a:spcBef>
-                <a:spcPts val="0"/>
-              </a:spcBef>
-              <a:spcAft>
-                <a:spcPts val="0"/>
-              </a:spcAft>
-              <a:buClrTx/>
-              <a:buSzTx/>
-              <a:buFontTx/>
-              <a:buNone/>
-              <a:tabLst/>
-              <a:defRPr/>
-            </a:pPr>
-            <a:endParaRPr lang="en-US" dirty="0"/>
-          </a:p>
-          <a:p>
-            <a:pPr>
-              <a:lnSpc>
-                <a:spcPct val="100000"/>
-              </a:lnSpc>
-              <a:spcBef>
-                <a:spcPts val="0"/>
-              </a:spcBef>
-              <a:spcAft>
-                <a:spcPts val="0"/>
-              </a:spcAft>
-              <a:buClrTx/>
-              <a:buSzTx/>
-            </a:pPr>
+              <a:t> object</a:t>
+            </a:r>
+          </a:p>
+          <a:p>
+            <a:pPr lvl="1"/>
+            <a:r>
+              <a:rPr lang="en-US" dirty="0" smtClean="0"/>
+              <a:t>Requires a session configuration via </a:t>
+            </a:r>
+            <a:r>
+              <a:rPr lang="en-US" dirty="0" err="1" smtClean="0"/>
+              <a:t>ARConfiguration</a:t>
+            </a:r>
+            <a:endParaRPr lang="en-US" dirty="0" smtClean="0"/>
+          </a:p>
+          <a:p>
             <a:r>
               <a:rPr lang="en-US" b="1" dirty="0" err="1" smtClean="0"/>
-              <a:t>CLLocationManager</a:t>
-            </a:r>
-            <a:endParaRPr lang="en-US" dirty="0" smtClean="0"/>
-          </a:p>
-          <a:p>
-            <a:pPr lvl="1">
-              <a:lnSpc>
-                <a:spcPct val="100000"/>
-              </a:lnSpc>
-              <a:spcBef>
-                <a:spcPts val="0"/>
-              </a:spcBef>
-              <a:spcAft>
-                <a:spcPts val="0"/>
-              </a:spcAft>
-              <a:buClrTx/>
-            </a:pPr>
+              <a:t>ARWorldTrackingConfiguration</a:t>
+            </a:r>
+            <a:endParaRPr lang="en-US" b="1" dirty="0" smtClean="0"/>
+          </a:p>
+          <a:p>
+            <a:pPr lvl="1"/>
             <a:r>
               <a:rPr lang="en-US" dirty="0" smtClean="0"/>
-              <a:t>An object that is used to start and stop the delivery of location-related events to your application.</a:t>
-            </a:r>
-          </a:p>
-          <a:p>
-            <a:pPr>
-              <a:lnSpc>
-                <a:spcPct val="100000"/>
-              </a:lnSpc>
-              <a:spcBef>
-                <a:spcPts val="0"/>
-              </a:spcBef>
-              <a:spcAft>
-                <a:spcPts val="0"/>
-              </a:spcAft>
-              <a:buClrTx/>
-            </a:pPr>
-            <a:r>
-              <a:rPr lang="en-US" b="1" dirty="0" smtClean="0"/>
-              <a:t>CLLocationCoordinate2D</a:t>
-            </a:r>
-          </a:p>
-          <a:p>
-            <a:pPr lvl="1">
-              <a:lnSpc>
-                <a:spcPct val="100000"/>
-              </a:lnSpc>
-              <a:spcBef>
-                <a:spcPts val="0"/>
-              </a:spcBef>
-              <a:spcAft>
-                <a:spcPts val="0"/>
-              </a:spcAft>
-              <a:buClrTx/>
-            </a:pPr>
+              <a:t>Uses the rear facing camera to precisely track a device’s position and orientation</a:t>
+            </a:r>
+          </a:p>
+          <a:p>
+            <a:r>
+              <a:rPr lang="en-US" b="1" dirty="0" err="1" smtClean="0"/>
+              <a:t>ARSCNView</a:t>
+            </a:r>
+            <a:endParaRPr lang="en-US" b="1" dirty="0" smtClean="0"/>
+          </a:p>
+          <a:p>
+            <a:pPr lvl="1"/>
             <a:r>
               <a:rPr lang="en-US" dirty="0" smtClean="0"/>
-              <a:t>The latitude and longitude associated with a location</a:t>
+              <a:t>Blends virtual 3D content(</a:t>
+            </a:r>
+            <a:r>
+              <a:rPr lang="en-US" dirty="0" err="1" smtClean="0"/>
+              <a:t>SCNNode</a:t>
+            </a:r>
+            <a:r>
+              <a:rPr lang="en-US" dirty="0" smtClean="0"/>
+              <a:t>) with the device’s camera view of the world</a:t>
             </a:r>
             <a:endParaRPr lang="en-US" dirty="0"/>
           </a:p>
@@ -4313,7 +4520,7 @@
     </p:spTree>
     <p:extLst>
       <p:ext uri="{BB962C8B-B14F-4D97-AF65-F5344CB8AC3E}">
-        <p14:creationId xmlns:p14="http://schemas.microsoft.com/office/powerpoint/2010/main" val="440126701"/>
+        <p14:creationId xmlns:p14="http://schemas.microsoft.com/office/powerpoint/2010/main" val="126158416"/>
       </p:ext>
     </p:extLst>
   </p:cSld>
@@ -4356,8 +4563,12 @@
           <a:lstStyle/>
           <a:p>
             <a:r>
+              <a:rPr lang="en-US" dirty="0" err="1" smtClean="0"/>
+              <a:t>CoreLocation</a:t>
+            </a:r>
+            <a:r>
               <a:rPr lang="en-US" dirty="0" smtClean="0"/>
-              <a:t>Combining it all</a:t>
+              <a:t> Library</a:t>
             </a:r>
             <a:endParaRPr lang="en-US" dirty="0"/>
           </a:p>
@@ -4378,87 +4589,133 @@
           <a:bodyPr/>
           <a:lstStyle/>
           <a:p>
+            <a:pPr marL="0" marR="0" lvl="0" indent="0" defTabSz="914400" eaLnBrk="1" fontAlgn="auto" latinLnBrk="0" hangingPunct="1">
+              <a:lnSpc>
+                <a:spcPct val="100000"/>
+              </a:lnSpc>
+              <a:spcBef>
+                <a:spcPts val="0"/>
+              </a:spcBef>
+              <a:spcAft>
+                <a:spcPts val="0"/>
+              </a:spcAft>
+              <a:buClrTx/>
+              <a:buSzTx/>
+              <a:buFontTx/>
+              <a:buNone/>
+              <a:tabLst/>
+              <a:defRPr/>
+            </a:pPr>
+            <a:r>
+              <a:rPr lang="en-US" dirty="0" err="1" smtClean="0"/>
+              <a:t>CoreLocation</a:t>
+            </a:r>
             <a:r>
               <a:rPr lang="en-US" dirty="0" smtClean="0"/>
-              <a:t>The steps we’re following in our prototype:</a:t>
-            </a:r>
-          </a:p>
-          <a:p>
+              <a:t> provides services for determining a device’s geographic location, altitude, orientation, or position.</a:t>
+            </a:r>
+          </a:p>
+          <a:p>
+            <a:pPr marL="0" marR="0" lvl="0" indent="0" defTabSz="914400" eaLnBrk="1" fontAlgn="auto" latinLnBrk="0" hangingPunct="1">
+              <a:lnSpc>
+                <a:spcPct val="100000"/>
+              </a:lnSpc>
+              <a:spcBef>
+                <a:spcPts val="0"/>
+              </a:spcBef>
+              <a:spcAft>
+                <a:spcPts val="0"/>
+              </a:spcAft>
+              <a:buClrTx/>
+              <a:buSzTx/>
+              <a:buFontTx/>
+              <a:buNone/>
+              <a:tabLst/>
+              <a:defRPr/>
+            </a:pPr>
+            <a:endParaRPr lang="en-US" dirty="0"/>
+          </a:p>
+          <a:p>
+            <a:pPr>
+              <a:lnSpc>
+                <a:spcPct val="100000"/>
+              </a:lnSpc>
+              <a:spcBef>
+                <a:spcPts val="0"/>
+              </a:spcBef>
+              <a:spcAft>
+                <a:spcPts val="0"/>
+              </a:spcAft>
+              <a:buClrTx/>
+              <a:buSzTx/>
+            </a:pPr>
+            <a:r>
+              <a:rPr lang="en-US" b="1" dirty="0" err="1" smtClean="0"/>
+              <a:t>CLLocationManager</a:t>
+            </a:r>
+            <a:endParaRPr lang="en-US" dirty="0" smtClean="0"/>
+          </a:p>
+          <a:p>
+            <a:pPr lvl="1">
+              <a:lnSpc>
+                <a:spcPct val="100000"/>
+              </a:lnSpc>
+              <a:spcBef>
+                <a:spcPts val="0"/>
+              </a:spcBef>
+              <a:spcAft>
+                <a:spcPts val="0"/>
+              </a:spcAft>
+              <a:buClrTx/>
+            </a:pPr>
             <a:r>
               <a:rPr lang="en-US" dirty="0" smtClean="0"/>
-              <a:t>Setup a </a:t>
-            </a:r>
-            <a:r>
-              <a:rPr lang="en-US" dirty="0" err="1" smtClean="0"/>
-              <a:t>ARSCNView</a:t>
-            </a:r>
-            <a:endParaRPr lang="en-US" dirty="0" smtClean="0"/>
-          </a:p>
-          <a:p>
+              <a:t>An object that is used to start and stop the delivery of location-related events to your application.</a:t>
+            </a:r>
+          </a:p>
+          <a:p>
+            <a:pPr>
+              <a:lnSpc>
+                <a:spcPct val="100000"/>
+              </a:lnSpc>
+              <a:spcBef>
+                <a:spcPts val="0"/>
+              </a:spcBef>
+              <a:spcAft>
+                <a:spcPts val="0"/>
+              </a:spcAft>
+              <a:buClrTx/>
+            </a:pPr>
+            <a:r>
+              <a:rPr lang="en-US" b="1" dirty="0" smtClean="0"/>
+              <a:t>CLLocationCoordinate2D</a:t>
+            </a:r>
+          </a:p>
+          <a:p>
+            <a:pPr lvl="1">
+              <a:lnSpc>
+                <a:spcPct val="100000"/>
+              </a:lnSpc>
+              <a:spcBef>
+                <a:spcPts val="0"/>
+              </a:spcBef>
+              <a:spcAft>
+                <a:spcPts val="0"/>
+              </a:spcAft>
+              <a:buClrTx/>
+            </a:pPr>
             <a:r>
               <a:rPr lang="en-US" dirty="0" smtClean="0"/>
-              <a:t>Create a </a:t>
-            </a:r>
-            <a:r>
-              <a:rPr lang="en-US" dirty="0" err="1" smtClean="0"/>
-              <a:t>SCNNode</a:t>
-            </a:r>
-            <a:r>
-              <a:rPr lang="en-US" dirty="0" smtClean="0"/>
-              <a:t> of a 3D arrow</a:t>
-            </a:r>
-          </a:p>
-          <a:p>
-            <a:r>
-              <a:rPr lang="en-US" dirty="0" smtClean="0"/>
-              <a:t>Get the user’s coordinates</a:t>
-            </a:r>
-          </a:p>
-          <a:p>
-            <a:r>
-              <a:rPr lang="en-US" dirty="0" smtClean="0"/>
-              <a:t>Calculate the initial bearing from the user’s coordinates to the center of the sculpture garden</a:t>
-            </a:r>
-          </a:p>
-          <a:p>
-            <a:r>
-              <a:rPr lang="en-US" dirty="0" smtClean="0"/>
-              <a:t>Transform our </a:t>
-            </a:r>
-            <a:r>
-              <a:rPr lang="en-US" dirty="0" err="1" smtClean="0"/>
-              <a:t>SCNNode</a:t>
-            </a:r>
-            <a:r>
-              <a:rPr lang="en-US" dirty="0" smtClean="0"/>
-              <a:t> to point towards the bearing</a:t>
-            </a:r>
-          </a:p>
-          <a:p>
-            <a:r>
-              <a:rPr lang="en-US" dirty="0" smtClean="0"/>
-              <a:t>Add the </a:t>
-            </a:r>
-            <a:r>
-              <a:rPr lang="en-US" dirty="0" err="1" smtClean="0"/>
-              <a:t>SCNNode</a:t>
-            </a:r>
-            <a:r>
-              <a:rPr lang="en-US" dirty="0" smtClean="0"/>
-              <a:t> to the </a:t>
-            </a:r>
-            <a:r>
-              <a:rPr lang="en-US" dirty="0" err="1" smtClean="0"/>
-              <a:t>ARSCNView</a:t>
-            </a:r>
-            <a:endParaRPr lang="en-US" dirty="0" smtClean="0"/>
+              <a:t>The latitude and longitude associated with a location</a:t>
+            </a:r>
+            <a:endParaRPr lang="en-US" dirty="0"/>
           </a:p>
         </p:txBody>
       </p:sp>
     </p:spTree>
     <p:extLst>
       <p:ext uri="{BB962C8B-B14F-4D97-AF65-F5344CB8AC3E}">
-        <p14:creationId xmlns:p14="http://schemas.microsoft.com/office/powerpoint/2010/main" val="1228385068"/>
+        <p14:creationId xmlns:p14="http://schemas.microsoft.com/office/powerpoint/2010/main" val="440126701"/>
       </p:ext>
     </p:extLst>
   </p:cSld>
@@ -4487,6 +4744,29 @@
       </p:grpSpPr>
       <p:sp>
         <p:nvSpPr>
+          <p:cNvPr id="2" name="Title 1"/>
+          <p:cNvSpPr>
+            <a:spLocks noGrp="1"/>
+          </p:cNvSpPr>
+          <p:nvPr>
+            <p:ph type="title"/>
+          </p:nvPr>
+        </p:nvSpPr>
+        <p:spPr/>
+        <p:txBody>
+          <a:bodyPr/>
+          <a:lstStyle/>
+          <a:p>
+            <a:r>
+              <a:rPr lang="en-US" dirty="0" smtClean="0"/>
+              <a:t>Combining it all</a:t>
+            </a:r>
+            <a:endParaRPr lang="en-US" dirty="0"/>
+          </a:p>
+        </p:txBody>
+      </p:sp>
+      <p:sp>
+        <p:nvSpPr>
           <p:cNvPr id="3" name="Content Placeholder 2"/>
           <p:cNvSpPr>
             <a:spLocks noGrp="1"/>
@@ -4495,1287 +4775,92 @@
             <p:ph idx="1"/>
           </p:nvPr>
         </p:nvSpPr>
-        <p:spPr>
-          <a:xfrm>
-            <a:off x="0" y="0"/>
-            <a:ext cx="11282290" cy="6858000"/>
-          </a:xfrm>
-        </p:spPr>
-        <p:txBody>
-          <a:bodyPr>
-            <a:normAutofit lnSpcReduction="10000"/>
-          </a:bodyPr>
+        <p:spPr/>
+        <p:txBody>
+          <a:bodyPr/>
           <a:lstStyle/>
           <a:p>
-            <a:pPr marL="0" indent="0">
-              <a:lnSpc>
-                <a:spcPct val="100000"/>
-              </a:lnSpc>
-              <a:buNone/>
-            </a:pPr>
-            <a:r>
-              <a:rPr lang="en-US" sz="1400" dirty="0" err="1">
-                <a:solidFill>
-                  <a:srgbClr val="333333"/>
-                </a:solidFill>
-                <a:latin typeface="Input" charset="0"/>
-                <a:ea typeface="Input" charset="0"/>
-                <a:cs typeface="Input" charset="0"/>
-              </a:rPr>
-              <a:t>var</a:t>
-            </a:r>
-            <a:r>
-              <a:rPr lang="en-US" sz="1400" dirty="0">
-                <a:latin typeface="Input" charset="0"/>
-                <a:ea typeface="Input" charset="0"/>
-                <a:cs typeface="Input" charset="0"/>
-              </a:rPr>
-              <a:t> </a:t>
-            </a:r>
-            <a:r>
-              <a:rPr lang="en-US" sz="1400" dirty="0" err="1">
-                <a:latin typeface="Input" charset="0"/>
-                <a:ea typeface="Input" charset="0"/>
-                <a:cs typeface="Input" charset="0"/>
-              </a:rPr>
-              <a:t>sceneView</a:t>
-            </a:r>
-            <a:r>
-              <a:rPr lang="en-US" sz="1400" dirty="0">
-                <a:latin typeface="Input" charset="0"/>
-                <a:ea typeface="Input" charset="0"/>
-                <a:cs typeface="Input" charset="0"/>
-              </a:rPr>
-              <a:t> = </a:t>
-            </a:r>
-            <a:r>
-              <a:rPr lang="en-US" sz="1400" dirty="0" err="1">
-                <a:solidFill>
-                  <a:srgbClr val="445588"/>
-                </a:solidFill>
-                <a:latin typeface="Input" charset="0"/>
-                <a:ea typeface="Input" charset="0"/>
-                <a:cs typeface="Input" charset="0"/>
-              </a:rPr>
+            <a:r>
+              <a:rPr lang="en-US" dirty="0" smtClean="0"/>
+              <a:t>The steps we’re following in our prototype:</a:t>
+            </a:r>
+          </a:p>
+          <a:p>
+            <a:r>
+              <a:rPr lang="en-US" dirty="0" smtClean="0"/>
+              <a:t>Setup a </a:t>
+            </a:r>
+            <a:r>
+              <a:rPr lang="en-US" dirty="0" err="1" smtClean="0"/>
               <a:t>ARSCNView</a:t>
             </a:r>
-            <a:r>
-              <a:rPr lang="en-US" sz="1400" dirty="0">
-                <a:latin typeface="Input" charset="0"/>
-                <a:ea typeface="Input" charset="0"/>
-                <a:cs typeface="Input" charset="0"/>
-              </a:rPr>
-              <a:t>() </a:t>
-            </a:r>
-          </a:p>
-          <a:p>
-            <a:pPr marL="0" indent="0">
-              <a:lnSpc>
-                <a:spcPct val="100000"/>
-              </a:lnSpc>
-              <a:buNone/>
-            </a:pPr>
-            <a:r>
-              <a:rPr lang="en-US" sz="1400" dirty="0" err="1" smtClean="0">
-                <a:solidFill>
-                  <a:srgbClr val="333333"/>
-                </a:solidFill>
-                <a:latin typeface="Input" charset="0"/>
-                <a:ea typeface="Input" charset="0"/>
-                <a:cs typeface="Input" charset="0"/>
-              </a:rPr>
-              <a:t>var</a:t>
-            </a:r>
-            <a:r>
-              <a:rPr lang="en-US" sz="1400" dirty="0" smtClean="0">
-                <a:latin typeface="Input" charset="0"/>
-                <a:ea typeface="Input" charset="0"/>
-                <a:cs typeface="Input" charset="0"/>
-              </a:rPr>
-              <a:t> </a:t>
-            </a:r>
-            <a:r>
-              <a:rPr lang="en-US" sz="1400" dirty="0" err="1">
-                <a:latin typeface="Input" charset="0"/>
-                <a:ea typeface="Input" charset="0"/>
-                <a:cs typeface="Input" charset="0"/>
-              </a:rPr>
-              <a:t>locationManager</a:t>
-            </a:r>
-            <a:r>
-              <a:rPr lang="en-US" sz="1400" dirty="0">
-                <a:latin typeface="Input" charset="0"/>
-                <a:ea typeface="Input" charset="0"/>
-                <a:cs typeface="Input" charset="0"/>
-              </a:rPr>
-              <a:t> = </a:t>
-            </a:r>
-            <a:r>
-              <a:rPr lang="en-US" sz="1400" dirty="0" err="1">
-                <a:solidFill>
-                  <a:srgbClr val="445588"/>
-                </a:solidFill>
-                <a:latin typeface="Input" charset="0"/>
-                <a:ea typeface="Input" charset="0"/>
-                <a:cs typeface="Input" charset="0"/>
-              </a:rPr>
-              <a:t>CLLocationManager</a:t>
-            </a:r>
-            <a:r>
-              <a:rPr lang="en-US" sz="1400" dirty="0">
-                <a:latin typeface="Input" charset="0"/>
-                <a:ea typeface="Input" charset="0"/>
-                <a:cs typeface="Input" charset="0"/>
-              </a:rPr>
-              <a:t>() </a:t>
-            </a:r>
-            <a:endParaRPr lang="en-US" sz="1400" dirty="0" smtClean="0">
-              <a:latin typeface="Input" charset="0"/>
-              <a:ea typeface="Input" charset="0"/>
-              <a:cs typeface="Input" charset="0"/>
-            </a:endParaRPr>
-          </a:p>
-          <a:p>
-            <a:pPr marL="0" indent="0">
-              <a:lnSpc>
-                <a:spcPct val="100000"/>
-              </a:lnSpc>
-              <a:buNone/>
-            </a:pPr>
-            <a:r>
-              <a:rPr lang="en-US" sz="1400" dirty="0" err="1" smtClean="0">
-                <a:solidFill>
-                  <a:srgbClr val="333333"/>
-                </a:solidFill>
-                <a:latin typeface="Input" charset="0"/>
-                <a:ea typeface="Input" charset="0"/>
-                <a:cs typeface="Input" charset="0"/>
-              </a:rPr>
-              <a:t>var</a:t>
-            </a:r>
-            <a:r>
-              <a:rPr lang="en-US" sz="1400" dirty="0" smtClean="0">
-                <a:latin typeface="Input" charset="0"/>
-                <a:ea typeface="Input" charset="0"/>
-                <a:cs typeface="Input" charset="0"/>
-              </a:rPr>
-              <a:t> </a:t>
-            </a:r>
-            <a:r>
-              <a:rPr lang="en-US" sz="1400" dirty="0" err="1">
-                <a:latin typeface="Input" charset="0"/>
-                <a:ea typeface="Input" charset="0"/>
-                <a:cs typeface="Input" charset="0"/>
-              </a:rPr>
-              <a:t>loc</a:t>
-            </a:r>
-            <a:r>
-              <a:rPr lang="en-US" sz="1400" dirty="0">
-                <a:latin typeface="Input" charset="0"/>
-                <a:ea typeface="Input" charset="0"/>
-                <a:cs typeface="Input" charset="0"/>
-              </a:rPr>
-              <a:t> = </a:t>
-            </a:r>
-            <a:r>
-              <a:rPr lang="en-US" sz="1400" dirty="0" err="1">
-                <a:latin typeface="Input" charset="0"/>
-                <a:ea typeface="Input" charset="0"/>
-                <a:cs typeface="Input" charset="0"/>
-              </a:rPr>
-              <a:t>locationManager.location.coordinate</a:t>
-            </a:r>
-            <a:r>
-              <a:rPr lang="en-US" sz="1400" dirty="0">
-                <a:latin typeface="Input" charset="0"/>
-                <a:ea typeface="Input" charset="0"/>
-                <a:cs typeface="Input" charset="0"/>
-              </a:rPr>
-              <a:t> </a:t>
-            </a:r>
-            <a:r>
-              <a:rPr lang="en-US" sz="1400" dirty="0">
-                <a:solidFill>
-                  <a:srgbClr val="999988"/>
-                </a:solidFill>
-                <a:latin typeface="Input" charset="0"/>
-                <a:ea typeface="Input" charset="0"/>
-                <a:cs typeface="Input" charset="0"/>
-              </a:rPr>
-              <a:t>// User’s </a:t>
-            </a:r>
-            <a:r>
-              <a:rPr lang="en-US" sz="1400" dirty="0" err="1">
-                <a:solidFill>
-                  <a:srgbClr val="999988"/>
-                </a:solidFill>
-                <a:latin typeface="Input" charset="0"/>
-                <a:ea typeface="Input" charset="0"/>
-                <a:cs typeface="Input" charset="0"/>
-              </a:rPr>
-              <a:t>lat</a:t>
-            </a:r>
-            <a:r>
-              <a:rPr lang="en-US" sz="1400" dirty="0">
-                <a:solidFill>
-                  <a:srgbClr val="999988"/>
-                </a:solidFill>
-                <a:latin typeface="Input" charset="0"/>
-                <a:ea typeface="Input" charset="0"/>
-                <a:cs typeface="Input" charset="0"/>
-              </a:rPr>
-              <a:t>/</a:t>
-            </a:r>
-            <a:r>
-              <a:rPr lang="en-US" sz="1400" dirty="0" err="1">
-                <a:solidFill>
-                  <a:srgbClr val="999988"/>
-                </a:solidFill>
-                <a:latin typeface="Input" charset="0"/>
-                <a:ea typeface="Input" charset="0"/>
-                <a:cs typeface="Input" charset="0"/>
-              </a:rPr>
-              <a:t>lon</a:t>
-            </a:r>
-            <a:r>
-              <a:rPr lang="en-US" sz="1400" dirty="0">
-                <a:latin typeface="Input" charset="0"/>
-                <a:ea typeface="Input" charset="0"/>
-                <a:cs typeface="Input" charset="0"/>
-              </a:rPr>
-              <a:t> </a:t>
-            </a:r>
-            <a:endParaRPr lang="en-US" sz="1400" dirty="0" smtClean="0">
-              <a:latin typeface="Input" charset="0"/>
-              <a:ea typeface="Input" charset="0"/>
-              <a:cs typeface="Input" charset="0"/>
-            </a:endParaRPr>
-          </a:p>
-          <a:p>
-            <a:pPr marL="0" indent="0">
-              <a:lnSpc>
-                <a:spcPct val="100000"/>
-              </a:lnSpc>
-              <a:buNone/>
-            </a:pPr>
-            <a:r>
-              <a:rPr lang="en-US" sz="1400" dirty="0" err="1" smtClean="0">
-                <a:solidFill>
-                  <a:srgbClr val="333333"/>
-                </a:solidFill>
-                <a:latin typeface="Input" charset="0"/>
-                <a:ea typeface="Input" charset="0"/>
-                <a:cs typeface="Input" charset="0"/>
-              </a:rPr>
-              <a:t>var</a:t>
-            </a:r>
-            <a:r>
-              <a:rPr lang="en-US" sz="1400" dirty="0" smtClean="0">
-                <a:latin typeface="Input" charset="0"/>
-                <a:ea typeface="Input" charset="0"/>
-                <a:cs typeface="Input" charset="0"/>
-              </a:rPr>
-              <a:t> </a:t>
-            </a:r>
-            <a:r>
-              <a:rPr lang="en-US" sz="1400" dirty="0" err="1">
-                <a:latin typeface="Input" charset="0"/>
-                <a:ea typeface="Input" charset="0"/>
-                <a:cs typeface="Input" charset="0"/>
-              </a:rPr>
-              <a:t>sculptureGarden</a:t>
-            </a:r>
-            <a:r>
-              <a:rPr lang="en-US" sz="1400" dirty="0">
-                <a:latin typeface="Input" charset="0"/>
-                <a:ea typeface="Input" charset="0"/>
-                <a:cs typeface="Input" charset="0"/>
-              </a:rPr>
-              <a:t> = </a:t>
-            </a:r>
-            <a:r>
-              <a:rPr lang="en-US" sz="1400" dirty="0">
-                <a:solidFill>
-                  <a:srgbClr val="445588"/>
-                </a:solidFill>
-                <a:latin typeface="Input" charset="0"/>
-                <a:ea typeface="Input" charset="0"/>
-                <a:cs typeface="Input" charset="0"/>
-              </a:rPr>
-              <a:t>CLLocationCoordinate2D</a:t>
-            </a:r>
-            <a:r>
-              <a:rPr lang="en-US" sz="1400" dirty="0">
-                <a:latin typeface="Input" charset="0"/>
-                <a:ea typeface="Input" charset="0"/>
-                <a:cs typeface="Input" charset="0"/>
-              </a:rPr>
-              <a:t>(latitude: </a:t>
-            </a:r>
-            <a:r>
-              <a:rPr lang="en-US" sz="1400" dirty="0">
-                <a:solidFill>
-                  <a:srgbClr val="008080"/>
-                </a:solidFill>
-                <a:latin typeface="Input" charset="0"/>
-                <a:ea typeface="Input" charset="0"/>
-                <a:cs typeface="Input" charset="0"/>
-              </a:rPr>
-              <a:t>36.971542</a:t>
-            </a:r>
-            <a:r>
-              <a:rPr lang="en-US" sz="1400" dirty="0">
-                <a:latin typeface="Input" charset="0"/>
-                <a:ea typeface="Input" charset="0"/>
-                <a:cs typeface="Input" charset="0"/>
-              </a:rPr>
-              <a:t>, longitude: -</a:t>
-            </a:r>
-            <a:r>
-              <a:rPr lang="en-US" sz="1400" dirty="0">
-                <a:solidFill>
-                  <a:srgbClr val="008080"/>
-                </a:solidFill>
-                <a:latin typeface="Input" charset="0"/>
-                <a:ea typeface="Input" charset="0"/>
-                <a:cs typeface="Input" charset="0"/>
-              </a:rPr>
-              <a:t>82.558492</a:t>
-            </a:r>
-            <a:r>
-              <a:rPr lang="en-US" sz="1400" dirty="0">
-                <a:latin typeface="Input" charset="0"/>
-                <a:ea typeface="Input" charset="0"/>
-                <a:cs typeface="Input" charset="0"/>
-              </a:rPr>
-              <a:t>) </a:t>
-            </a:r>
-            <a:endParaRPr lang="en-US" sz="1400" dirty="0" smtClean="0">
-              <a:latin typeface="Input" charset="0"/>
-              <a:ea typeface="Input" charset="0"/>
-              <a:cs typeface="Input" charset="0"/>
-            </a:endParaRPr>
-          </a:p>
-          <a:p>
-            <a:pPr marL="0" indent="0">
-              <a:lnSpc>
-                <a:spcPct val="100000"/>
-              </a:lnSpc>
-              <a:buNone/>
-            </a:pPr>
-            <a:r>
-              <a:rPr lang="en-US" sz="1400" dirty="0" err="1" smtClean="0">
-                <a:solidFill>
-                  <a:srgbClr val="333333"/>
-                </a:solidFill>
-                <a:latin typeface="Input" charset="0"/>
-                <a:ea typeface="Input" charset="0"/>
-                <a:cs typeface="Input" charset="0"/>
-              </a:rPr>
-              <a:t>var</a:t>
-            </a:r>
-            <a:r>
-              <a:rPr lang="en-US" sz="1400" dirty="0" smtClean="0">
-                <a:latin typeface="Input" charset="0"/>
-                <a:ea typeface="Input" charset="0"/>
-                <a:cs typeface="Input" charset="0"/>
-              </a:rPr>
-              <a:t> </a:t>
-            </a:r>
-            <a:r>
-              <a:rPr lang="en-US" sz="1400" dirty="0">
-                <a:latin typeface="Input" charset="0"/>
-                <a:ea typeface="Input" charset="0"/>
-                <a:cs typeface="Input" charset="0"/>
-              </a:rPr>
-              <a:t>bearing = </a:t>
-            </a:r>
-            <a:r>
-              <a:rPr lang="en-US" sz="1400" dirty="0" err="1">
-                <a:latin typeface="Input" charset="0"/>
-                <a:ea typeface="Input" charset="0"/>
-                <a:cs typeface="Input" charset="0"/>
-              </a:rPr>
-              <a:t>loc.calculateBearing</a:t>
-            </a:r>
-            <a:r>
-              <a:rPr lang="en-US" sz="1400" dirty="0">
-                <a:latin typeface="Input" charset="0"/>
-                <a:ea typeface="Input" charset="0"/>
-                <a:cs typeface="Input" charset="0"/>
-              </a:rPr>
-              <a:t>(to: </a:t>
-            </a:r>
-            <a:r>
-              <a:rPr lang="en-US" sz="1400" dirty="0" err="1">
-                <a:latin typeface="Input" charset="0"/>
-                <a:ea typeface="Input" charset="0"/>
-                <a:cs typeface="Input" charset="0"/>
-              </a:rPr>
-              <a:t>sculptureGarden</a:t>
-            </a:r>
-            <a:r>
-              <a:rPr lang="en-US" sz="1400" dirty="0">
-                <a:latin typeface="Input" charset="0"/>
-                <a:ea typeface="Input" charset="0"/>
-                <a:cs typeface="Input" charset="0"/>
-              </a:rPr>
-              <a:t>) </a:t>
-            </a:r>
-            <a:r>
-              <a:rPr lang="en-US" sz="1400" dirty="0">
-                <a:solidFill>
-                  <a:srgbClr val="999988"/>
-                </a:solidFill>
-                <a:latin typeface="Input" charset="0"/>
-                <a:ea typeface="Input" charset="0"/>
-                <a:cs typeface="Input" charset="0"/>
-              </a:rPr>
-              <a:t>// Bearing in radians</a:t>
-            </a:r>
-            <a:r>
-              <a:rPr lang="en-US" sz="1400" dirty="0">
-                <a:latin typeface="Input" charset="0"/>
-                <a:ea typeface="Input" charset="0"/>
-                <a:cs typeface="Input" charset="0"/>
-              </a:rPr>
-              <a:t> </a:t>
-            </a:r>
-            <a:endParaRPr lang="en-US" sz="1400" dirty="0" smtClean="0">
-              <a:latin typeface="Input" charset="0"/>
-              <a:ea typeface="Input" charset="0"/>
-              <a:cs typeface="Input" charset="0"/>
-            </a:endParaRPr>
-          </a:p>
-          <a:p>
-            <a:pPr marL="0" indent="0">
-              <a:lnSpc>
-                <a:spcPct val="100000"/>
-              </a:lnSpc>
-              <a:buNone/>
-            </a:pPr>
-            <a:r>
-              <a:rPr lang="en-US" sz="1400" dirty="0" err="1" smtClean="0">
-                <a:solidFill>
-                  <a:srgbClr val="333333"/>
-                </a:solidFill>
-                <a:latin typeface="Input" charset="0"/>
-                <a:ea typeface="Input" charset="0"/>
-                <a:cs typeface="Input" charset="0"/>
-              </a:rPr>
-              <a:t>var</a:t>
-            </a:r>
-            <a:r>
-              <a:rPr lang="en-US" sz="1400" dirty="0" smtClean="0">
-                <a:latin typeface="Input" charset="0"/>
-                <a:ea typeface="Input" charset="0"/>
-                <a:cs typeface="Input" charset="0"/>
-              </a:rPr>
-              <a:t> </a:t>
-            </a:r>
-            <a:r>
-              <a:rPr lang="en-US" sz="1400" dirty="0" err="1">
-                <a:latin typeface="Input" charset="0"/>
-                <a:ea typeface="Input" charset="0"/>
-                <a:cs typeface="Input" charset="0"/>
-              </a:rPr>
-              <a:t>arrowNode</a:t>
-            </a:r>
-            <a:r>
-              <a:rPr lang="en-US" sz="1400" dirty="0">
-                <a:latin typeface="Input" charset="0"/>
-                <a:ea typeface="Input" charset="0"/>
-                <a:cs typeface="Input" charset="0"/>
-              </a:rPr>
-              <a:t> = </a:t>
-            </a:r>
-            <a:r>
-              <a:rPr lang="en-US" sz="1400" dirty="0" err="1">
-                <a:latin typeface="Input" charset="0"/>
-                <a:ea typeface="Input" charset="0"/>
-                <a:cs typeface="Input" charset="0"/>
-              </a:rPr>
-              <a:t>createArrowNode</a:t>
-            </a:r>
-            <a:r>
-              <a:rPr lang="en-US" sz="1400" dirty="0">
-                <a:latin typeface="Input" charset="0"/>
-                <a:ea typeface="Input" charset="0"/>
-                <a:cs typeface="Input" charset="0"/>
-              </a:rPr>
-              <a:t>() </a:t>
-            </a:r>
-            <a:endParaRPr lang="en-US" sz="1400" dirty="0" smtClean="0">
-              <a:latin typeface="Input" charset="0"/>
-              <a:ea typeface="Input" charset="0"/>
-              <a:cs typeface="Input" charset="0"/>
-            </a:endParaRPr>
-          </a:p>
-          <a:p>
-            <a:pPr marL="0" indent="0">
-              <a:lnSpc>
-                <a:spcPct val="100000"/>
-              </a:lnSpc>
-              <a:buNone/>
-            </a:pPr>
-            <a:r>
-              <a:rPr lang="en-US" sz="1400" dirty="0" err="1" smtClean="0">
-                <a:latin typeface="Input" charset="0"/>
-                <a:ea typeface="Input" charset="0"/>
-                <a:cs typeface="Input" charset="0"/>
-              </a:rPr>
-              <a:t>arrowNode.transform</a:t>
-            </a:r>
-            <a:r>
-              <a:rPr lang="en-US" sz="1400" dirty="0" smtClean="0">
-                <a:latin typeface="Input" charset="0"/>
-                <a:ea typeface="Input" charset="0"/>
-                <a:cs typeface="Input" charset="0"/>
-              </a:rPr>
-              <a:t> </a:t>
-            </a:r>
-            <a:r>
-              <a:rPr lang="en-US" sz="1400" dirty="0">
-                <a:latin typeface="Input" charset="0"/>
-                <a:ea typeface="Input" charset="0"/>
-                <a:cs typeface="Input" charset="0"/>
-              </a:rPr>
-              <a:t>= </a:t>
-            </a:r>
-            <a:r>
-              <a:rPr lang="en-US" sz="1400" dirty="0">
-                <a:solidFill>
-                  <a:srgbClr val="445588"/>
-                </a:solidFill>
-                <a:latin typeface="Input" charset="0"/>
-                <a:ea typeface="Input" charset="0"/>
-                <a:cs typeface="Input" charset="0"/>
-              </a:rPr>
-              <a:t>SCNMatrix4Mult</a:t>
-            </a:r>
-            <a:r>
-              <a:rPr lang="en-US" sz="1400" dirty="0">
-                <a:latin typeface="Input" charset="0"/>
-                <a:ea typeface="Input" charset="0"/>
-                <a:cs typeface="Input" charset="0"/>
-              </a:rPr>
-              <a:t>(</a:t>
-            </a:r>
-            <a:r>
-              <a:rPr lang="en-US" sz="1400" dirty="0" err="1">
-                <a:latin typeface="Input" charset="0"/>
-                <a:ea typeface="Input" charset="0"/>
-                <a:cs typeface="Input" charset="0"/>
-              </a:rPr>
-              <a:t>arrowNode.transform</a:t>
-            </a:r>
-            <a:r>
-              <a:rPr lang="en-US" sz="1400" dirty="0">
-                <a:latin typeface="Input" charset="0"/>
-                <a:ea typeface="Input" charset="0"/>
-                <a:cs typeface="Input" charset="0"/>
-              </a:rPr>
-              <a:t>, </a:t>
-            </a:r>
-            <a:r>
-              <a:rPr lang="en-US" sz="1400" dirty="0">
-                <a:solidFill>
-                  <a:srgbClr val="445588"/>
-                </a:solidFill>
-                <a:latin typeface="Input" charset="0"/>
-                <a:ea typeface="Input" charset="0"/>
-                <a:cs typeface="Input" charset="0"/>
-              </a:rPr>
-              <a:t>SCNMatrix4MakeRotation</a:t>
-            </a:r>
-            <a:r>
-              <a:rPr lang="en-US" sz="1400" dirty="0">
-                <a:latin typeface="Input" charset="0"/>
-                <a:ea typeface="Input" charset="0"/>
-                <a:cs typeface="Input" charset="0"/>
-              </a:rPr>
-              <a:t>(bearing, </a:t>
-            </a:r>
-            <a:r>
-              <a:rPr lang="en-US" sz="1400" dirty="0">
-                <a:solidFill>
-                  <a:srgbClr val="008080"/>
-                </a:solidFill>
-                <a:latin typeface="Input" charset="0"/>
-                <a:ea typeface="Input" charset="0"/>
-                <a:cs typeface="Input" charset="0"/>
-              </a:rPr>
-              <a:t>0.0</a:t>
-            </a:r>
-            <a:r>
-              <a:rPr lang="en-US" sz="1400" dirty="0">
-                <a:latin typeface="Input" charset="0"/>
-                <a:ea typeface="Input" charset="0"/>
-                <a:cs typeface="Input" charset="0"/>
-              </a:rPr>
-              <a:t>, </a:t>
-            </a:r>
-            <a:r>
-              <a:rPr lang="en-US" sz="1400" dirty="0">
-                <a:solidFill>
-                  <a:srgbClr val="008080"/>
-                </a:solidFill>
-                <a:latin typeface="Input" charset="0"/>
-                <a:ea typeface="Input" charset="0"/>
-                <a:cs typeface="Input" charset="0"/>
-              </a:rPr>
-              <a:t>1.0</a:t>
-            </a:r>
-            <a:r>
-              <a:rPr lang="en-US" sz="1400" dirty="0">
-                <a:latin typeface="Input" charset="0"/>
-                <a:ea typeface="Input" charset="0"/>
-                <a:cs typeface="Input" charset="0"/>
-              </a:rPr>
-              <a:t>, </a:t>
-            </a:r>
-            <a:r>
-              <a:rPr lang="en-US" sz="1400" dirty="0">
-                <a:solidFill>
-                  <a:srgbClr val="008080"/>
-                </a:solidFill>
-                <a:latin typeface="Input" charset="0"/>
-                <a:ea typeface="Input" charset="0"/>
-                <a:cs typeface="Input" charset="0"/>
-              </a:rPr>
-              <a:t>0.0</a:t>
-            </a:r>
-            <a:r>
-              <a:rPr lang="en-US" sz="1400" dirty="0">
-                <a:latin typeface="Input" charset="0"/>
-                <a:ea typeface="Input" charset="0"/>
-                <a:cs typeface="Input" charset="0"/>
-              </a:rPr>
-              <a:t>)) </a:t>
-            </a:r>
-            <a:r>
-              <a:rPr lang="en-US" sz="1400" dirty="0">
-                <a:solidFill>
-                  <a:srgbClr val="999988"/>
-                </a:solidFill>
-                <a:latin typeface="Input" charset="0"/>
-                <a:ea typeface="Input" charset="0"/>
-                <a:cs typeface="Input" charset="0"/>
-              </a:rPr>
-              <a:t>// Rotate </a:t>
-            </a:r>
-            <a:r>
-              <a:rPr lang="en-US" sz="1400" dirty="0" err="1">
-                <a:solidFill>
-                  <a:srgbClr val="999988"/>
-                </a:solidFill>
-                <a:latin typeface="Input" charset="0"/>
-                <a:ea typeface="Input" charset="0"/>
-                <a:cs typeface="Input" charset="0"/>
-              </a:rPr>
-              <a:t>arrowNode</a:t>
-            </a:r>
-            <a:r>
-              <a:rPr lang="en-US" sz="1400" dirty="0">
-                <a:solidFill>
-                  <a:srgbClr val="999988"/>
-                </a:solidFill>
-                <a:latin typeface="Input" charset="0"/>
-                <a:ea typeface="Input" charset="0"/>
-                <a:cs typeface="Input" charset="0"/>
-              </a:rPr>
-              <a:t> around the y-axis by bearing radians</a:t>
-            </a:r>
-            <a:r>
-              <a:rPr lang="en-US" sz="1400" dirty="0">
-                <a:latin typeface="Input" charset="0"/>
-                <a:ea typeface="Input" charset="0"/>
-                <a:cs typeface="Input" charset="0"/>
-              </a:rPr>
-              <a:t> </a:t>
-            </a:r>
-            <a:endParaRPr lang="en-US" sz="1400" dirty="0" smtClean="0">
-              <a:latin typeface="Input" charset="0"/>
-              <a:ea typeface="Input" charset="0"/>
-              <a:cs typeface="Input" charset="0"/>
-            </a:endParaRPr>
-          </a:p>
-          <a:p>
-            <a:pPr marL="0" indent="0">
-              <a:lnSpc>
-                <a:spcPct val="100000"/>
-              </a:lnSpc>
-              <a:buNone/>
-            </a:pPr>
-            <a:r>
-              <a:rPr lang="en-US" sz="1400" dirty="0" err="1" smtClean="0">
-                <a:latin typeface="Input" charset="0"/>
-                <a:ea typeface="Input" charset="0"/>
-                <a:cs typeface="Input" charset="0"/>
-              </a:rPr>
-              <a:t>sceneView.scene.rootNode.addChildNode</a:t>
-            </a:r>
-            <a:r>
-              <a:rPr lang="en-US" sz="1400" dirty="0" smtClean="0">
-                <a:latin typeface="Input" charset="0"/>
-                <a:ea typeface="Input" charset="0"/>
-                <a:cs typeface="Input" charset="0"/>
-              </a:rPr>
-              <a:t>(</a:t>
-            </a:r>
-            <a:r>
-              <a:rPr lang="en-US" sz="1400" dirty="0" err="1" smtClean="0">
-                <a:latin typeface="Input" charset="0"/>
-                <a:ea typeface="Input" charset="0"/>
-                <a:cs typeface="Input" charset="0"/>
-              </a:rPr>
-              <a:t>arrowNode</a:t>
-            </a:r>
-            <a:r>
-              <a:rPr lang="en-US" sz="1400" dirty="0" smtClean="0">
-                <a:latin typeface="Input" charset="0"/>
-                <a:ea typeface="Input" charset="0"/>
-                <a:cs typeface="Input" charset="0"/>
-              </a:rPr>
-              <a:t>)</a:t>
-            </a:r>
-          </a:p>
-          <a:p>
-            <a:pPr marL="0" indent="0">
-              <a:lnSpc>
-                <a:spcPct val="100000"/>
-              </a:lnSpc>
-              <a:buNone/>
-            </a:pPr>
-            <a:r>
-              <a:rPr lang="en-US" sz="1400" dirty="0" smtClean="0">
-                <a:solidFill>
-                  <a:srgbClr val="333333"/>
-                </a:solidFill>
-                <a:latin typeface="Input" charset="0"/>
-                <a:ea typeface="Input" charset="0"/>
-                <a:cs typeface="Input" charset="0"/>
-              </a:rPr>
-              <a:t>extension</a:t>
-            </a:r>
-            <a:r>
-              <a:rPr lang="en-US" sz="1400" dirty="0" smtClean="0">
-                <a:latin typeface="Input" charset="0"/>
-                <a:ea typeface="Input" charset="0"/>
-                <a:cs typeface="Input" charset="0"/>
-              </a:rPr>
-              <a:t> </a:t>
-            </a:r>
-            <a:r>
-              <a:rPr lang="en-US" sz="1400" dirty="0">
-                <a:solidFill>
-                  <a:srgbClr val="445588"/>
-                </a:solidFill>
-                <a:latin typeface="Input" charset="0"/>
-                <a:ea typeface="Input" charset="0"/>
-                <a:cs typeface="Input" charset="0"/>
-              </a:rPr>
-              <a:t>CLLocationCoordinate2D</a:t>
-            </a:r>
-            <a:r>
-              <a:rPr lang="en-US" sz="1400" dirty="0">
-                <a:latin typeface="Input" charset="0"/>
-                <a:ea typeface="Input" charset="0"/>
-                <a:cs typeface="Input" charset="0"/>
-              </a:rPr>
-              <a:t> {     </a:t>
-            </a:r>
-            <a:endParaRPr lang="en-US" sz="1400" dirty="0" smtClean="0">
-              <a:latin typeface="Input" charset="0"/>
-              <a:ea typeface="Input" charset="0"/>
-              <a:cs typeface="Input" charset="0"/>
-            </a:endParaRPr>
-          </a:p>
-          <a:p>
-            <a:pPr marL="0" indent="0">
-              <a:lnSpc>
-                <a:spcPct val="100000"/>
-              </a:lnSpc>
-              <a:buNone/>
-            </a:pPr>
-            <a:r>
-              <a:rPr lang="en-US" sz="1400" dirty="0">
-                <a:solidFill>
-                  <a:srgbClr val="333333"/>
-                </a:solidFill>
-                <a:latin typeface="Input" charset="0"/>
-                <a:ea typeface="Input" charset="0"/>
-                <a:cs typeface="Input" charset="0"/>
-              </a:rPr>
-              <a:t>	</a:t>
-            </a:r>
-            <a:r>
-              <a:rPr lang="en-US" sz="1400" dirty="0" err="1" smtClean="0">
-                <a:solidFill>
-                  <a:srgbClr val="333333"/>
-                </a:solidFill>
-                <a:latin typeface="Input" charset="0"/>
-                <a:ea typeface="Input" charset="0"/>
-                <a:cs typeface="Input" charset="0"/>
-              </a:rPr>
-              <a:t>func</a:t>
-            </a:r>
-            <a:r>
-              <a:rPr lang="en-US" sz="1400" dirty="0" smtClean="0">
-                <a:latin typeface="Input" charset="0"/>
-                <a:ea typeface="Input" charset="0"/>
-                <a:cs typeface="Input" charset="0"/>
-              </a:rPr>
-              <a:t> </a:t>
-            </a:r>
-            <a:r>
-              <a:rPr lang="en-US" sz="1400" dirty="0" err="1">
-                <a:solidFill>
-                  <a:srgbClr val="990000"/>
-                </a:solidFill>
-                <a:latin typeface="Input" charset="0"/>
-                <a:ea typeface="Input" charset="0"/>
-                <a:cs typeface="Input" charset="0"/>
-              </a:rPr>
-              <a:t>calculateBearing</a:t>
-            </a:r>
-            <a:r>
-              <a:rPr lang="en-US" sz="1400" dirty="0">
-                <a:latin typeface="Input" charset="0"/>
-                <a:ea typeface="Input" charset="0"/>
-                <a:cs typeface="Input" charset="0"/>
-              </a:rPr>
-              <a:t>(to coordinate: CLLocationCoordinate2D) -&gt; </a:t>
-            </a:r>
-            <a:r>
-              <a:rPr lang="en-US" sz="1400" dirty="0">
-                <a:solidFill>
-                  <a:srgbClr val="445588"/>
-                </a:solidFill>
-                <a:latin typeface="Input" charset="0"/>
-                <a:ea typeface="Input" charset="0"/>
-                <a:cs typeface="Input" charset="0"/>
-              </a:rPr>
-              <a:t>Double</a:t>
-            </a:r>
-            <a:r>
-              <a:rPr lang="en-US" sz="1400" dirty="0">
-                <a:latin typeface="Input" charset="0"/>
-                <a:ea typeface="Input" charset="0"/>
-                <a:cs typeface="Input" charset="0"/>
-              </a:rPr>
-              <a:t> </a:t>
-            </a:r>
-            <a:r>
-              <a:rPr lang="en-US" sz="1400" dirty="0" smtClean="0">
-                <a:latin typeface="Input" charset="0"/>
-                <a:ea typeface="Input" charset="0"/>
-                <a:cs typeface="Input" charset="0"/>
-              </a:rPr>
-              <a:t>{ </a:t>
-            </a:r>
-            <a:r>
-              <a:rPr lang="en-US" sz="1400" dirty="0">
-                <a:latin typeface="Input" charset="0"/>
-                <a:ea typeface="Input" charset="0"/>
-                <a:cs typeface="Input" charset="0"/>
-              </a:rPr>
-              <a:t>        </a:t>
-            </a:r>
-            <a:endParaRPr lang="en-US" sz="1400" dirty="0" smtClean="0">
-              <a:latin typeface="Input" charset="0"/>
-              <a:ea typeface="Input" charset="0"/>
-              <a:cs typeface="Input" charset="0"/>
-            </a:endParaRPr>
-          </a:p>
-          <a:p>
-            <a:pPr marL="0" indent="0">
-              <a:lnSpc>
-                <a:spcPct val="100000"/>
-              </a:lnSpc>
-              <a:buNone/>
-            </a:pPr>
-            <a:r>
-              <a:rPr lang="en-US" sz="1400" dirty="0">
-                <a:solidFill>
-                  <a:srgbClr val="333333"/>
-                </a:solidFill>
-                <a:latin typeface="Input" charset="0"/>
-                <a:ea typeface="Input" charset="0"/>
-                <a:cs typeface="Input" charset="0"/>
-              </a:rPr>
-              <a:t>	</a:t>
-            </a:r>
-            <a:r>
-              <a:rPr lang="en-US" sz="1400" dirty="0" smtClean="0">
-                <a:solidFill>
-                  <a:srgbClr val="333333"/>
-                </a:solidFill>
-                <a:latin typeface="Input" charset="0"/>
-                <a:ea typeface="Input" charset="0"/>
-                <a:cs typeface="Input" charset="0"/>
-              </a:rPr>
-              <a:t>	let</a:t>
-            </a:r>
-            <a:r>
-              <a:rPr lang="en-US" sz="1400" dirty="0" smtClean="0">
-                <a:latin typeface="Input" charset="0"/>
-                <a:ea typeface="Input" charset="0"/>
-                <a:cs typeface="Input" charset="0"/>
-              </a:rPr>
-              <a:t> </a:t>
-            </a:r>
-            <a:r>
-              <a:rPr lang="en-US" sz="1400" dirty="0">
-                <a:latin typeface="Input" charset="0"/>
-                <a:ea typeface="Input" charset="0"/>
-                <a:cs typeface="Input" charset="0"/>
-              </a:rPr>
-              <a:t>a = sin(</a:t>
-            </a:r>
-            <a:r>
-              <a:rPr lang="en-US" sz="1400" dirty="0" err="1">
-                <a:latin typeface="Input" charset="0"/>
-                <a:ea typeface="Input" charset="0"/>
-                <a:cs typeface="Input" charset="0"/>
-              </a:rPr>
-              <a:t>coordinate.longitude.toRadians</a:t>
-            </a:r>
-            <a:r>
-              <a:rPr lang="en-US" sz="1400" dirty="0">
-                <a:latin typeface="Input" charset="0"/>
-                <a:ea typeface="Input" charset="0"/>
-                <a:cs typeface="Input" charset="0"/>
-              </a:rPr>
-              <a:t>() - </a:t>
-            </a:r>
-            <a:r>
-              <a:rPr lang="en-US" sz="1400" dirty="0" err="1">
-                <a:latin typeface="Input" charset="0"/>
-                <a:ea typeface="Input" charset="0"/>
-                <a:cs typeface="Input" charset="0"/>
-              </a:rPr>
-              <a:t>longitude.toRadians</a:t>
-            </a:r>
-            <a:r>
-              <a:rPr lang="en-US" sz="1400" dirty="0">
-                <a:latin typeface="Input" charset="0"/>
-                <a:ea typeface="Input" charset="0"/>
-                <a:cs typeface="Input" charset="0"/>
-              </a:rPr>
-              <a:t>()) * </a:t>
-            </a:r>
-            <a:r>
-              <a:rPr lang="en-US" sz="1400" dirty="0" smtClean="0">
-                <a:latin typeface="Input" charset="0"/>
-                <a:ea typeface="Input" charset="0"/>
-                <a:cs typeface="Input" charset="0"/>
-              </a:rPr>
-              <a:t>		cos(</a:t>
-            </a:r>
-            <a:r>
-              <a:rPr lang="en-US" sz="1400" dirty="0" err="1" smtClean="0">
-                <a:latin typeface="Input" charset="0"/>
-                <a:ea typeface="Input" charset="0"/>
-                <a:cs typeface="Input" charset="0"/>
-              </a:rPr>
-              <a:t>coordinate.latitude.toRadians</a:t>
-            </a:r>
-            <a:r>
-              <a:rPr lang="en-US" sz="1400" dirty="0">
-                <a:latin typeface="Input" charset="0"/>
-                <a:ea typeface="Input" charset="0"/>
-                <a:cs typeface="Input" charset="0"/>
-              </a:rPr>
-              <a:t>())         </a:t>
-            </a:r>
-            <a:endParaRPr lang="en-US" sz="1400" dirty="0" smtClean="0">
-              <a:latin typeface="Input" charset="0"/>
-              <a:ea typeface="Input" charset="0"/>
-              <a:cs typeface="Input" charset="0"/>
-            </a:endParaRPr>
-          </a:p>
-          <a:p>
-            <a:pPr marL="0" indent="0">
-              <a:lnSpc>
-                <a:spcPct val="100000"/>
-              </a:lnSpc>
-              <a:buNone/>
-            </a:pPr>
-            <a:r>
-              <a:rPr lang="en-US" sz="1400" dirty="0">
-                <a:solidFill>
-                  <a:srgbClr val="333333"/>
-                </a:solidFill>
-                <a:latin typeface="Input" charset="0"/>
-                <a:ea typeface="Input" charset="0"/>
-                <a:cs typeface="Input" charset="0"/>
-              </a:rPr>
-              <a:t>	</a:t>
-            </a:r>
-            <a:r>
-              <a:rPr lang="en-US" sz="1400" dirty="0" smtClean="0">
-                <a:solidFill>
-                  <a:srgbClr val="333333"/>
-                </a:solidFill>
-                <a:latin typeface="Input" charset="0"/>
-                <a:ea typeface="Input" charset="0"/>
-                <a:cs typeface="Input" charset="0"/>
-              </a:rPr>
-              <a:t>	let</a:t>
-            </a:r>
-            <a:r>
-              <a:rPr lang="en-US" sz="1400" dirty="0" smtClean="0">
-                <a:latin typeface="Input" charset="0"/>
-                <a:ea typeface="Input" charset="0"/>
-                <a:cs typeface="Input" charset="0"/>
-              </a:rPr>
-              <a:t> </a:t>
-            </a:r>
-            <a:r>
-              <a:rPr lang="en-US" sz="1400" dirty="0">
-                <a:latin typeface="Input" charset="0"/>
-                <a:ea typeface="Input" charset="0"/>
-                <a:cs typeface="Input" charset="0"/>
-              </a:rPr>
-              <a:t>b = cos(</a:t>
-            </a:r>
-            <a:r>
-              <a:rPr lang="en-US" sz="1400" dirty="0" err="1">
-                <a:latin typeface="Input" charset="0"/>
-                <a:ea typeface="Input" charset="0"/>
-                <a:cs typeface="Input" charset="0"/>
-              </a:rPr>
-              <a:t>latitude.toRadians</a:t>
-            </a:r>
-            <a:r>
-              <a:rPr lang="en-US" sz="1400" dirty="0">
-                <a:latin typeface="Input" charset="0"/>
-                <a:ea typeface="Input" charset="0"/>
-                <a:cs typeface="Input" charset="0"/>
-              </a:rPr>
-              <a:t>()) * sin(</a:t>
-            </a:r>
-            <a:r>
-              <a:rPr lang="en-US" sz="1400" dirty="0" err="1">
-                <a:latin typeface="Input" charset="0"/>
-                <a:ea typeface="Input" charset="0"/>
-                <a:cs typeface="Input" charset="0"/>
-              </a:rPr>
-              <a:t>coordinate.latitude.toRadians</a:t>
-            </a:r>
-            <a:r>
-              <a:rPr lang="en-US" sz="1400" dirty="0">
-                <a:latin typeface="Input" charset="0"/>
-                <a:ea typeface="Input" charset="0"/>
-                <a:cs typeface="Input" charset="0"/>
-              </a:rPr>
-              <a:t>()) - </a:t>
-            </a:r>
-            <a:r>
-              <a:rPr lang="en-US" sz="1400" dirty="0" smtClean="0">
-                <a:latin typeface="Input" charset="0"/>
-                <a:ea typeface="Input" charset="0"/>
-                <a:cs typeface="Input" charset="0"/>
-              </a:rPr>
-              <a:t>	sin(</a:t>
-            </a:r>
-            <a:r>
-              <a:rPr lang="en-US" sz="1400" dirty="0" err="1" smtClean="0">
-                <a:latin typeface="Input" charset="0"/>
-                <a:ea typeface="Input" charset="0"/>
-                <a:cs typeface="Input" charset="0"/>
-              </a:rPr>
-              <a:t>latitude.toRadians</a:t>
-            </a:r>
-            <a:r>
-              <a:rPr lang="en-US" sz="1400" dirty="0">
-                <a:latin typeface="Input" charset="0"/>
-                <a:ea typeface="Input" charset="0"/>
-                <a:cs typeface="Input" charset="0"/>
-              </a:rPr>
-              <a:t>()) * cos(</a:t>
-            </a:r>
-            <a:r>
-              <a:rPr lang="en-US" sz="1400" dirty="0" err="1">
-                <a:latin typeface="Input" charset="0"/>
-                <a:ea typeface="Input" charset="0"/>
-                <a:cs typeface="Input" charset="0"/>
-              </a:rPr>
-              <a:t>coordinate.latitude.toRadians</a:t>
-            </a:r>
-            <a:r>
-              <a:rPr lang="en-US" sz="1400" dirty="0">
-                <a:latin typeface="Input" charset="0"/>
-                <a:ea typeface="Input" charset="0"/>
-                <a:cs typeface="Input" charset="0"/>
-              </a:rPr>
-              <a:t>()) * </a:t>
-            </a:r>
-            <a:r>
-              <a:rPr lang="en-US" sz="1400" dirty="0" smtClean="0">
-                <a:latin typeface="Input" charset="0"/>
-                <a:ea typeface="Input" charset="0"/>
-                <a:cs typeface="Input" charset="0"/>
-              </a:rPr>
-              <a:t>	cos(</a:t>
-            </a:r>
-            <a:r>
-              <a:rPr lang="en-US" sz="1400" dirty="0" err="1" smtClean="0">
-                <a:latin typeface="Input" charset="0"/>
-                <a:ea typeface="Input" charset="0"/>
-                <a:cs typeface="Input" charset="0"/>
-              </a:rPr>
-              <a:t>coordinate.longitude.toRadians</a:t>
-            </a:r>
-            <a:r>
-              <a:rPr lang="en-US" sz="1400" dirty="0">
-                <a:latin typeface="Input" charset="0"/>
-                <a:ea typeface="Input" charset="0"/>
-                <a:cs typeface="Input" charset="0"/>
-              </a:rPr>
-              <a:t>() </a:t>
-            </a:r>
-            <a:r>
-              <a:rPr lang="mr-IN" sz="1400" dirty="0" smtClean="0">
-                <a:latin typeface="Input" charset="0"/>
-                <a:ea typeface="Input" charset="0"/>
-                <a:cs typeface="Input" charset="0"/>
-              </a:rPr>
-              <a:t>–</a:t>
-            </a:r>
-            <a:r>
-              <a:rPr lang="en-US" sz="1400" dirty="0" smtClean="0">
-                <a:latin typeface="Input" charset="0"/>
-                <a:ea typeface="Input" charset="0"/>
-                <a:cs typeface="Input" charset="0"/>
-              </a:rPr>
-              <a:t> l	</a:t>
-            </a:r>
-            <a:r>
-              <a:rPr lang="en-US" sz="1400" dirty="0" err="1" smtClean="0">
-                <a:latin typeface="Input" charset="0"/>
-                <a:ea typeface="Input" charset="0"/>
-                <a:cs typeface="Input" charset="0"/>
-              </a:rPr>
-              <a:t>ongitude.toRadians</a:t>
-            </a:r>
-            <a:r>
-              <a:rPr lang="en-US" sz="1400" dirty="0">
-                <a:latin typeface="Input" charset="0"/>
-                <a:ea typeface="Input" charset="0"/>
-                <a:cs typeface="Input" charset="0"/>
-              </a:rPr>
-              <a:t>())         </a:t>
-            </a:r>
-            <a:endParaRPr lang="en-US" sz="1400" dirty="0" smtClean="0">
-              <a:latin typeface="Input" charset="0"/>
-              <a:ea typeface="Input" charset="0"/>
-              <a:cs typeface="Input" charset="0"/>
-            </a:endParaRPr>
-          </a:p>
-          <a:p>
-            <a:pPr marL="0" indent="0">
-              <a:lnSpc>
-                <a:spcPct val="100000"/>
-              </a:lnSpc>
-              <a:buNone/>
-            </a:pPr>
-            <a:r>
-              <a:rPr lang="en-US" sz="1400" dirty="0">
-                <a:solidFill>
-                  <a:srgbClr val="333333"/>
-                </a:solidFill>
-                <a:latin typeface="Input" charset="0"/>
-                <a:ea typeface="Input" charset="0"/>
-                <a:cs typeface="Input" charset="0"/>
-              </a:rPr>
-              <a:t>	</a:t>
-            </a:r>
-            <a:r>
-              <a:rPr lang="en-US" sz="1400" dirty="0" smtClean="0">
-                <a:solidFill>
-                  <a:srgbClr val="333333"/>
-                </a:solidFill>
-                <a:latin typeface="Input" charset="0"/>
-                <a:ea typeface="Input" charset="0"/>
-                <a:cs typeface="Input" charset="0"/>
-              </a:rPr>
-              <a:t>return</a:t>
-            </a:r>
-            <a:r>
-              <a:rPr lang="en-US" sz="1400" dirty="0" smtClean="0">
-                <a:latin typeface="Input" charset="0"/>
-                <a:ea typeface="Input" charset="0"/>
-                <a:cs typeface="Input" charset="0"/>
-              </a:rPr>
-              <a:t> </a:t>
-            </a:r>
-            <a:r>
-              <a:rPr lang="en-US" sz="1400" dirty="0">
-                <a:latin typeface="Input" charset="0"/>
-                <a:ea typeface="Input" charset="0"/>
-                <a:cs typeface="Input" charset="0"/>
-              </a:rPr>
-              <a:t>atan2(a, b) </a:t>
-            </a:r>
-            <a:endParaRPr lang="en-US" sz="1400" dirty="0" smtClean="0">
-              <a:latin typeface="Input" charset="0"/>
-              <a:ea typeface="Input" charset="0"/>
-              <a:cs typeface="Input" charset="0"/>
-            </a:endParaRPr>
-          </a:p>
-          <a:p>
-            <a:pPr marL="0" indent="0">
-              <a:lnSpc>
-                <a:spcPct val="100000"/>
-              </a:lnSpc>
-              <a:buNone/>
-            </a:pPr>
-            <a:r>
-              <a:rPr lang="en-US" sz="1400" dirty="0">
-                <a:latin typeface="Input" charset="0"/>
-                <a:ea typeface="Input" charset="0"/>
-                <a:cs typeface="Input" charset="0"/>
-              </a:rPr>
-              <a:t>	</a:t>
-            </a:r>
-            <a:r>
-              <a:rPr lang="en-US" sz="1400" dirty="0" smtClean="0">
-                <a:latin typeface="Input" charset="0"/>
-                <a:ea typeface="Input" charset="0"/>
-                <a:cs typeface="Input" charset="0"/>
-              </a:rPr>
-              <a:t>} </a:t>
-            </a:r>
-          </a:p>
-          <a:p>
-            <a:pPr marL="0" indent="0">
-              <a:lnSpc>
-                <a:spcPct val="100000"/>
-              </a:lnSpc>
-              <a:buNone/>
-            </a:pPr>
-            <a:r>
-              <a:rPr lang="en-US" sz="1400" dirty="0" smtClean="0">
-                <a:latin typeface="Input" charset="0"/>
-                <a:ea typeface="Input" charset="0"/>
-                <a:cs typeface="Input" charset="0"/>
-              </a:rPr>
-              <a:t>}</a:t>
-            </a:r>
-            <a:endParaRPr lang="en-US" dirty="0">
-              <a:latin typeface="Input" charset="0"/>
-              <a:ea typeface="Input" charset="0"/>
-              <a:cs typeface="Input" charset="0"/>
-            </a:endParaRPr>
+            <a:endParaRPr lang="en-US" dirty="0" smtClean="0"/>
+          </a:p>
+          <a:p>
+            <a:r>
+              <a:rPr lang="en-US" dirty="0" smtClean="0"/>
+              <a:t>Create a </a:t>
+            </a:r>
+            <a:r>
+              <a:rPr lang="en-US" dirty="0" err="1" smtClean="0"/>
+              <a:t>SCNNode</a:t>
+            </a:r>
+            <a:r>
+              <a:rPr lang="en-US" dirty="0" smtClean="0"/>
+              <a:t> of a 3D arrow</a:t>
+            </a:r>
+          </a:p>
+          <a:p>
+            <a:r>
+              <a:rPr lang="en-US" dirty="0" smtClean="0"/>
+              <a:t>Get the user’s coordinates</a:t>
+            </a:r>
+          </a:p>
+          <a:p>
+            <a:r>
+              <a:rPr lang="en-US" dirty="0" smtClean="0"/>
+              <a:t>Calculate the initial bearing from the user’s coordinates to the center of the sculpture garden</a:t>
+            </a:r>
+          </a:p>
+          <a:p>
+            <a:r>
+              <a:rPr lang="en-US" dirty="0" smtClean="0"/>
+              <a:t>Transform our </a:t>
+            </a:r>
+            <a:r>
+              <a:rPr lang="en-US" dirty="0" err="1" smtClean="0"/>
+              <a:t>SCNNode</a:t>
+            </a:r>
+            <a:r>
+              <a:rPr lang="en-US" dirty="0" smtClean="0"/>
+              <a:t> to point towards the bearing</a:t>
+            </a:r>
+          </a:p>
+          <a:p>
+            <a:r>
+              <a:rPr lang="en-US" dirty="0" smtClean="0"/>
+              <a:t>Add the </a:t>
+            </a:r>
+            <a:r>
+              <a:rPr lang="en-US" dirty="0" err="1" smtClean="0"/>
+              <a:t>SCNNode</a:t>
+            </a:r>
+            <a:r>
+              <a:rPr lang="en-US" dirty="0" smtClean="0"/>
+              <a:t> to the </a:t>
+            </a:r>
+            <a:r>
+              <a:rPr lang="en-US" dirty="0" err="1" smtClean="0"/>
+              <a:t>ARSCNView</a:t>
+            </a:r>
+            <a:endParaRPr lang="en-US" dirty="0" smtClean="0"/>
           </a:p>
         </p:txBody>
       </p:sp>
     </p:spTree>
     <p:extLst>
       <p:ext uri="{BB962C8B-B14F-4D97-AF65-F5344CB8AC3E}">
-        <p14:creationId xmlns:p14="http://schemas.microsoft.com/office/powerpoint/2010/main" val="442669607"/>
+        <p14:creationId xmlns:p14="http://schemas.microsoft.com/office/powerpoint/2010/main" val="1228385068"/>
       </p:ext>
     </p:extLst>
   </p:cSld>
@@ -5804,29 +4889,6 @@
       </p:grpSpPr>
       <p:sp>
         <p:nvSpPr>
-          <p:cNvPr id="2" name="Title 1"/>
-          <p:cNvSpPr>
-            <a:spLocks noGrp="1"/>
-          </p:cNvSpPr>
-          <p:nvPr>
-            <p:ph type="title"/>
-          </p:nvPr>
-        </p:nvSpPr>
-        <p:spPr/>
-        <p:txBody>
-          <a:bodyPr/>
-          <a:lstStyle/>
-          <a:p>
-            <a:r>
-              <a:rPr lang="en-US" dirty="0" smtClean="0"/>
-              <a:t>Issues</a:t>
-            </a:r>
-            <a:endParaRPr lang="en-US" dirty="0"/>
-          </a:p>
-        </p:txBody>
-      </p:sp>
-      <p:sp>
-        <p:nvSpPr>
           <p:cNvPr id="3" name="Content Placeholder 2"/>
           <p:cNvSpPr>
             <a:spLocks noGrp="1"/>
@@ -5837,117 +4899,1285 @@
         </p:nvSpPr>
         <p:spPr>
           <a:xfrm>
-            <a:off x="-1" y="1828800"/>
-            <a:ext cx="6872323" cy="4351337"/>
+            <a:off x="0" y="0"/>
+            <a:ext cx="11282290" cy="6858000"/>
           </a:xfrm>
         </p:spPr>
         <p:txBody>
-          <a:bodyPr/>
+          <a:bodyPr>
+            <a:normAutofit lnSpcReduction="10000"/>
+          </a:bodyPr>
           <a:lstStyle/>
           <a:p>
             <a:pPr marL="0" indent="0">
+              <a:lnSpc>
+                <a:spcPct val="100000"/>
+              </a:lnSpc>
               <a:buNone/>
             </a:pPr>
             <a:r>
-              <a:rPr lang="en-US" dirty="0" smtClean="0"/>
-              <a:t>We’re currently setting </a:t>
-            </a:r>
-            <a:r>
-              <a:rPr lang="en-US" dirty="0" err="1" smtClean="0"/>
-              <a:t>ARWorldTrackingConfiguration</a:t>
-            </a:r>
-            <a:r>
-              <a:rPr lang="en-US" dirty="0" smtClean="0"/>
-              <a:t> to </a:t>
-            </a:r>
-            <a:r>
-              <a:rPr lang="en-US" dirty="0" err="1" smtClean="0"/>
-              <a:t>gravityAndHeading</a:t>
-            </a:r>
-            <a:r>
-              <a:rPr lang="en-US" dirty="0"/>
-              <a:t> which modifies the coordinate system </a:t>
-            </a:r>
-            <a:r>
-              <a:rPr lang="en-US" dirty="0" smtClean="0"/>
-              <a:t>so the </a:t>
-            </a:r>
-            <a:r>
-              <a:rPr lang="en-US" dirty="0"/>
-              <a:t>y-axis is parallel to gravity, its x- and z-axes are oriented to compass heading, and its origin is the initial position of the device</a:t>
-            </a:r>
-            <a:r>
-              <a:rPr lang="en-US" dirty="0" smtClean="0"/>
-              <a:t>. </a:t>
+              <a:rPr lang="en-US" sz="1400" dirty="0" err="1">
+                <a:solidFill>
+                  <a:srgbClr val="333333"/>
+                </a:solidFill>
+                <a:latin typeface="Input" charset="0"/>
+                <a:ea typeface="Input" charset="0"/>
+                <a:cs typeface="Input" charset="0"/>
+              </a:rPr>
+              <a:t>var</a:t>
+            </a:r>
+            <a:r>
+              <a:rPr lang="en-US" sz="1400" dirty="0">
+                <a:latin typeface="Input" charset="0"/>
+                <a:ea typeface="Input" charset="0"/>
+                <a:cs typeface="Input" charset="0"/>
+              </a:rPr>
+              <a:t> </a:t>
+            </a:r>
+            <a:r>
+              <a:rPr lang="en-US" sz="1400" dirty="0" err="1">
+                <a:latin typeface="Input" charset="0"/>
+                <a:ea typeface="Input" charset="0"/>
+                <a:cs typeface="Input" charset="0"/>
+              </a:rPr>
+              <a:t>sceneView</a:t>
+            </a:r>
+            <a:r>
+              <a:rPr lang="en-US" sz="1400" dirty="0">
+                <a:latin typeface="Input" charset="0"/>
+                <a:ea typeface="Input" charset="0"/>
+                <a:cs typeface="Input" charset="0"/>
+              </a:rPr>
+              <a:t> = </a:t>
+            </a:r>
+            <a:r>
+              <a:rPr lang="en-US" sz="1400" dirty="0" err="1">
+                <a:solidFill>
+                  <a:srgbClr val="445588"/>
+                </a:solidFill>
+                <a:latin typeface="Input" charset="0"/>
+                <a:ea typeface="Input" charset="0"/>
+                <a:cs typeface="Input" charset="0"/>
+              </a:rPr>
+              <a:t>ARSCNView</a:t>
+            </a:r>
+            <a:r>
+              <a:rPr lang="en-US" sz="1400" dirty="0">
+                <a:latin typeface="Input" charset="0"/>
+                <a:ea typeface="Input" charset="0"/>
+                <a:cs typeface="Input" charset="0"/>
+              </a:rPr>
+              <a:t>() </a:t>
             </a:r>
           </a:p>
           <a:p>
             <a:pPr marL="0" indent="0">
+              <a:lnSpc>
+                <a:spcPct val="100000"/>
+              </a:lnSpc>
               <a:buNone/>
             </a:pPr>
             <a:r>
-              <a:rPr lang="en-US" dirty="0" smtClean="0"/>
-              <a:t>This works great to orientate our node to a real world location, but makes placement of the node harder to determine. </a:t>
-            </a:r>
+              <a:rPr lang="en-US" sz="1400" dirty="0" err="1" smtClean="0">
+                <a:solidFill>
+                  <a:srgbClr val="333333"/>
+                </a:solidFill>
+                <a:latin typeface="Input" charset="0"/>
+                <a:ea typeface="Input" charset="0"/>
+                <a:cs typeface="Input" charset="0"/>
+              </a:rPr>
+              <a:t>var</a:t>
+            </a:r>
+            <a:r>
+              <a:rPr lang="en-US" sz="1400" dirty="0" smtClean="0">
+                <a:latin typeface="Input" charset="0"/>
+                <a:ea typeface="Input" charset="0"/>
+                <a:cs typeface="Input" charset="0"/>
+              </a:rPr>
+              <a:t> </a:t>
+            </a:r>
+            <a:r>
+              <a:rPr lang="en-US" sz="1400" dirty="0" err="1">
+                <a:latin typeface="Input" charset="0"/>
+                <a:ea typeface="Input" charset="0"/>
+                <a:cs typeface="Input" charset="0"/>
+              </a:rPr>
+              <a:t>locationManager</a:t>
+            </a:r>
+            <a:r>
+              <a:rPr lang="en-US" sz="1400" dirty="0">
+                <a:latin typeface="Input" charset="0"/>
+                <a:ea typeface="Input" charset="0"/>
+                <a:cs typeface="Input" charset="0"/>
+              </a:rPr>
+              <a:t> = </a:t>
+            </a:r>
+            <a:r>
+              <a:rPr lang="en-US" sz="1400" dirty="0" err="1">
+                <a:solidFill>
+                  <a:srgbClr val="445588"/>
+                </a:solidFill>
+                <a:latin typeface="Input" charset="0"/>
+                <a:ea typeface="Input" charset="0"/>
+                <a:cs typeface="Input" charset="0"/>
+              </a:rPr>
+              <a:t>CLLocationManager</a:t>
+            </a:r>
+            <a:r>
+              <a:rPr lang="en-US" sz="1400" dirty="0">
+                <a:latin typeface="Input" charset="0"/>
+                <a:ea typeface="Input" charset="0"/>
+                <a:cs typeface="Input" charset="0"/>
+              </a:rPr>
+              <a:t>() </a:t>
+            </a:r>
+            <a:endParaRPr lang="en-US" sz="1400" dirty="0" smtClean="0">
+              <a:latin typeface="Input" charset="0"/>
+              <a:ea typeface="Input" charset="0"/>
+              <a:cs typeface="Input" charset="0"/>
+            </a:endParaRPr>
           </a:p>
           <a:p>
             <a:pPr marL="0" indent="0">
+              <a:lnSpc>
+                <a:spcPct val="100000"/>
+              </a:lnSpc>
               <a:buNone/>
             </a:pPr>
             <a:r>
-              <a:rPr lang="en-US" dirty="0" err="1" smtClean="0"/>
-              <a:t>ARKit</a:t>
-            </a:r>
-            <a:r>
-              <a:rPr lang="en-US" dirty="0" smtClean="0"/>
-              <a:t> has an </a:t>
-            </a:r>
-            <a:r>
-              <a:rPr lang="en-US" dirty="0" err="1" smtClean="0"/>
-              <a:t>ARAnchor</a:t>
-            </a:r>
-            <a:r>
-              <a:rPr lang="en-US" dirty="0" smtClean="0"/>
-              <a:t> object that can be used for plane detection and object placement. We’re looking into detecting flat surfaces directly in front of the user’s device and attaching our arrow node to that anchor, so that the arrow will always be visible in the direction the user is facing.</a:t>
-            </a:r>
-            <a:endParaRPr lang="en-US" dirty="0"/>
-          </a:p>
-        </p:txBody>
-      </p:sp>
-      <p:pic>
-        <p:nvPicPr>
-          <p:cNvPr id="4" name="Picture 3"/>
-          <p:cNvPicPr>
-            <a:picLocks noChangeAspect="1"/>
-          </p:cNvPicPr>
-          <p:nvPr/>
-        </p:nvPicPr>
-        <p:blipFill>
-          <a:blip r:embed="rId2">
-            <a:extLst>
-              <a:ext uri="{28A0092B-C50C-407E-A947-70E740481C1C}">
-                <a14:useLocalDpi xmlns:a14="http://schemas.microsoft.com/office/drawing/2010/main" val="0"/>
-              </a:ext>
-            </a:extLst>
-          </a:blip>
-          <a:stretch>
-            <a:fillRect/>
-          </a:stretch>
-        </p:blipFill>
-        <p:spPr>
-          <a:xfrm>
-            <a:off x="6872323" y="0"/>
-            <a:ext cx="4380837" cy="5029200"/>
-          </a:xfrm>
-          <a:prstGeom prst="rect">
-            <a:avLst/>
-          </a:prstGeom>
-        </p:spPr>
-      </p:pic>
+              <a:rPr lang="en-US" sz="1400" dirty="0" err="1" smtClean="0">
+                <a:solidFill>
+                  <a:srgbClr val="333333"/>
+                </a:solidFill>
+                <a:latin typeface="Input" charset="0"/>
+                <a:ea typeface="Input" charset="0"/>
+                <a:cs typeface="Input" charset="0"/>
+              </a:rPr>
+              <a:t>var</a:t>
+            </a:r>
+            <a:r>
+              <a:rPr lang="en-US" sz="1400" dirty="0" smtClean="0">
+                <a:latin typeface="Input" charset="0"/>
+                <a:ea typeface="Input" charset="0"/>
+                <a:cs typeface="Input" charset="0"/>
+              </a:rPr>
+              <a:t> </a:t>
+            </a:r>
+            <a:r>
+              <a:rPr lang="en-US" sz="1400" dirty="0" err="1">
+                <a:latin typeface="Input" charset="0"/>
+                <a:ea typeface="Input" charset="0"/>
+                <a:cs typeface="Input" charset="0"/>
+              </a:rPr>
+              <a:t>loc</a:t>
+            </a:r>
+            <a:r>
+              <a:rPr lang="en-US" sz="1400" dirty="0">
+                <a:latin typeface="Input" charset="0"/>
+                <a:ea typeface="Input" charset="0"/>
+                <a:cs typeface="Input" charset="0"/>
+              </a:rPr>
+              <a:t> = </a:t>
+            </a:r>
+            <a:r>
+              <a:rPr lang="en-US" sz="1400" dirty="0" err="1">
+                <a:latin typeface="Input" charset="0"/>
+                <a:ea typeface="Input" charset="0"/>
+                <a:cs typeface="Input" charset="0"/>
+              </a:rPr>
+              <a:t>locationManager.location.coordinate</a:t>
+            </a:r>
+            <a:r>
+              <a:rPr lang="en-US" sz="1400" dirty="0">
+                <a:latin typeface="Input" charset="0"/>
+                <a:ea typeface="Input" charset="0"/>
+                <a:cs typeface="Input" charset="0"/>
+              </a:rPr>
+              <a:t> </a:t>
+            </a:r>
+            <a:r>
+              <a:rPr lang="en-US" sz="1400" dirty="0">
+                <a:solidFill>
+                  <a:srgbClr val="999988"/>
+                </a:solidFill>
+                <a:latin typeface="Input" charset="0"/>
+                <a:ea typeface="Input" charset="0"/>
+                <a:cs typeface="Input" charset="0"/>
+              </a:rPr>
+              <a:t>// User’s </a:t>
+            </a:r>
+            <a:r>
+              <a:rPr lang="en-US" sz="1400" dirty="0" err="1">
+                <a:solidFill>
+                  <a:srgbClr val="999988"/>
+                </a:solidFill>
+                <a:latin typeface="Input" charset="0"/>
+                <a:ea typeface="Input" charset="0"/>
+                <a:cs typeface="Input" charset="0"/>
+              </a:rPr>
+              <a:t>lat</a:t>
+            </a:r>
+            <a:r>
+              <a:rPr lang="en-US" sz="1400" dirty="0">
+                <a:solidFill>
+                  <a:srgbClr val="999988"/>
+                </a:solidFill>
+                <a:latin typeface="Input" charset="0"/>
+                <a:ea typeface="Input" charset="0"/>
+                <a:cs typeface="Input" charset="0"/>
+              </a:rPr>
+              <a:t>/</a:t>
+            </a:r>
+            <a:r>
+              <a:rPr lang="en-US" sz="1400" dirty="0" err="1">
+                <a:solidFill>
+                  <a:srgbClr val="999988"/>
+                </a:solidFill>
+                <a:latin typeface="Input" charset="0"/>
+                <a:ea typeface="Input" charset="0"/>
+                <a:cs typeface="Input" charset="0"/>
+              </a:rPr>
+              <a:t>lon</a:t>
+            </a:r>
+            <a:r>
+              <a:rPr lang="en-US" sz="1400" dirty="0">
+                <a:latin typeface="Input" charset="0"/>
+                <a:ea typeface="Input" charset="0"/>
+                <a:cs typeface="Input" charset="0"/>
+              </a:rPr>
+              <a:t> </a:t>
+            </a:r>
+            <a:endParaRPr lang="en-US" sz="1400" dirty="0" smtClean="0">
+              <a:latin typeface="Input" charset="0"/>
+              <a:ea typeface="Input" charset="0"/>
+              <a:cs typeface="Input" charset="0"/>
+            </a:endParaRPr>
+          </a:p>
+          <a:p>
+            <a:pPr marL="0" indent="0">
+              <a:lnSpc>
+                <a:spcPct val="100000"/>
+              </a:lnSpc>
+              <a:buNone/>
+            </a:pPr>
+            <a:r>
+              <a:rPr lang="en-US" sz="1400" dirty="0" err="1" smtClean="0">
+                <a:solidFill>
+                  <a:srgbClr val="333333"/>
+                </a:solidFill>
+                <a:latin typeface="Input" charset="0"/>
+                <a:ea typeface="Input" charset="0"/>
+                <a:cs typeface="Input" charset="0"/>
+              </a:rPr>
+              <a:t>var</a:t>
+            </a:r>
+            <a:r>
+              <a:rPr lang="en-US" sz="1400" dirty="0" smtClean="0">
+                <a:latin typeface="Input" charset="0"/>
+                <a:ea typeface="Input" charset="0"/>
+                <a:cs typeface="Input" charset="0"/>
+              </a:rPr>
+              <a:t> </a:t>
+            </a:r>
+            <a:r>
+              <a:rPr lang="en-US" sz="1400" dirty="0" err="1">
+                <a:latin typeface="Input" charset="0"/>
+                <a:ea typeface="Input" charset="0"/>
+                <a:cs typeface="Input" charset="0"/>
+              </a:rPr>
+              <a:t>sculptureGarden</a:t>
+            </a:r>
+            <a:r>
+              <a:rPr lang="en-US" sz="1400" dirty="0">
+                <a:latin typeface="Input" charset="0"/>
+                <a:ea typeface="Input" charset="0"/>
+                <a:cs typeface="Input" charset="0"/>
+              </a:rPr>
+              <a:t> = </a:t>
+            </a:r>
+            <a:r>
+              <a:rPr lang="en-US" sz="1400" dirty="0">
+                <a:solidFill>
+                  <a:srgbClr val="445588"/>
+                </a:solidFill>
+                <a:latin typeface="Input" charset="0"/>
+                <a:ea typeface="Input" charset="0"/>
+                <a:cs typeface="Input" charset="0"/>
+              </a:rPr>
+              <a:t>CLLocationCoordinate2D</a:t>
+            </a:r>
+            <a:r>
+              <a:rPr lang="en-US" sz="1400" dirty="0">
+                <a:latin typeface="Input" charset="0"/>
+                <a:ea typeface="Input" charset="0"/>
+                <a:cs typeface="Input" charset="0"/>
+              </a:rPr>
+              <a:t>(latitude: </a:t>
+            </a:r>
+            <a:r>
+              <a:rPr lang="en-US" sz="1400" dirty="0">
+                <a:solidFill>
+                  <a:srgbClr val="008080"/>
+                </a:solidFill>
+                <a:latin typeface="Input" charset="0"/>
+                <a:ea typeface="Input" charset="0"/>
+                <a:cs typeface="Input" charset="0"/>
+              </a:rPr>
+              <a:t>36.971542</a:t>
+            </a:r>
+            <a:r>
+              <a:rPr lang="en-US" sz="1400" dirty="0">
+                <a:latin typeface="Input" charset="0"/>
+                <a:ea typeface="Input" charset="0"/>
+                <a:cs typeface="Input" charset="0"/>
+              </a:rPr>
+              <a:t>, longitude: -</a:t>
+            </a:r>
+            <a:r>
+              <a:rPr lang="en-US" sz="1400" dirty="0">
+                <a:solidFill>
+                  <a:srgbClr val="008080"/>
+                </a:solidFill>
+                <a:latin typeface="Input" charset="0"/>
+                <a:ea typeface="Input" charset="0"/>
+                <a:cs typeface="Input" charset="0"/>
+              </a:rPr>
+              <a:t>82.558492</a:t>
+            </a:r>
+            <a:r>
+              <a:rPr lang="en-US" sz="1400" dirty="0">
+                <a:latin typeface="Input" charset="0"/>
+                <a:ea typeface="Input" charset="0"/>
+                <a:cs typeface="Input" charset="0"/>
+              </a:rPr>
+              <a:t>) </a:t>
+            </a:r>
+            <a:endParaRPr lang="en-US" sz="1400" dirty="0" smtClean="0">
+              <a:latin typeface="Input" charset="0"/>
+              <a:ea typeface="Input" charset="0"/>
+              <a:cs typeface="Input" charset="0"/>
+            </a:endParaRPr>
+          </a:p>
+          <a:p>
+            <a:pPr marL="0" indent="0">
+              <a:lnSpc>
+                <a:spcPct val="100000"/>
+              </a:lnSpc>
+              <a:buNone/>
+            </a:pPr>
+            <a:r>
+              <a:rPr lang="en-US" sz="1400" dirty="0" err="1" smtClean="0">
+                <a:solidFill>
+                  <a:srgbClr val="333333"/>
+                </a:solidFill>
+                <a:latin typeface="Input" charset="0"/>
+                <a:ea typeface="Input" charset="0"/>
+                <a:cs typeface="Input" charset="0"/>
+              </a:rPr>
+              <a:t>var</a:t>
+            </a:r>
+            <a:r>
+              <a:rPr lang="en-US" sz="1400" dirty="0" smtClean="0">
+                <a:latin typeface="Input" charset="0"/>
+                <a:ea typeface="Input" charset="0"/>
+                <a:cs typeface="Input" charset="0"/>
+              </a:rPr>
+              <a:t> </a:t>
+            </a:r>
+            <a:r>
+              <a:rPr lang="en-US" sz="1400" dirty="0">
+                <a:latin typeface="Input" charset="0"/>
+                <a:ea typeface="Input" charset="0"/>
+                <a:cs typeface="Input" charset="0"/>
+              </a:rPr>
+              <a:t>bearing = </a:t>
+            </a:r>
+            <a:r>
+              <a:rPr lang="en-US" sz="1400" dirty="0" err="1">
+                <a:latin typeface="Input" charset="0"/>
+                <a:ea typeface="Input" charset="0"/>
+                <a:cs typeface="Input" charset="0"/>
+              </a:rPr>
+              <a:t>loc.calculateBearing</a:t>
+            </a:r>
+            <a:r>
+              <a:rPr lang="en-US" sz="1400" dirty="0">
+                <a:latin typeface="Input" charset="0"/>
+                <a:ea typeface="Input" charset="0"/>
+                <a:cs typeface="Input" charset="0"/>
+              </a:rPr>
+              <a:t>(to: </a:t>
+            </a:r>
+            <a:r>
+              <a:rPr lang="en-US" sz="1400" dirty="0" err="1">
+                <a:latin typeface="Input" charset="0"/>
+                <a:ea typeface="Input" charset="0"/>
+                <a:cs typeface="Input" charset="0"/>
+              </a:rPr>
+              <a:t>sculptureGarden</a:t>
+            </a:r>
+            <a:r>
+              <a:rPr lang="en-US" sz="1400" dirty="0">
+                <a:latin typeface="Input" charset="0"/>
+                <a:ea typeface="Input" charset="0"/>
+                <a:cs typeface="Input" charset="0"/>
+              </a:rPr>
+              <a:t>) </a:t>
+            </a:r>
+            <a:r>
+              <a:rPr lang="en-US" sz="1400" dirty="0">
+                <a:solidFill>
+                  <a:srgbClr val="999988"/>
+                </a:solidFill>
+                <a:latin typeface="Input" charset="0"/>
+                <a:ea typeface="Input" charset="0"/>
+                <a:cs typeface="Input" charset="0"/>
+              </a:rPr>
+              <a:t>// Bearing in radians</a:t>
+            </a:r>
+            <a:r>
+              <a:rPr lang="en-US" sz="1400" dirty="0">
+                <a:latin typeface="Input" charset="0"/>
+                <a:ea typeface="Input" charset="0"/>
+                <a:cs typeface="Input" charset="0"/>
+              </a:rPr>
+              <a:t> </a:t>
+            </a:r>
+            <a:endParaRPr lang="en-US" sz="1400" dirty="0" smtClean="0">
+              <a:latin typeface="Input" charset="0"/>
+              <a:ea typeface="Input" charset="0"/>
+              <a:cs typeface="Input" charset="0"/>
+            </a:endParaRPr>
+          </a:p>
+          <a:p>
+            <a:pPr marL="0" indent="0">
+              <a:lnSpc>
+                <a:spcPct val="100000"/>
+              </a:lnSpc>
+              <a:buNone/>
+            </a:pPr>
+            <a:r>
+              <a:rPr lang="en-US" sz="1400" dirty="0" err="1" smtClean="0">
+                <a:solidFill>
+                  <a:srgbClr val="333333"/>
+                </a:solidFill>
+                <a:latin typeface="Input" charset="0"/>
+                <a:ea typeface="Input" charset="0"/>
+                <a:cs typeface="Input" charset="0"/>
+              </a:rPr>
+              <a:t>var</a:t>
+            </a:r>
+            <a:r>
+              <a:rPr lang="en-US" sz="1400" dirty="0" smtClean="0">
+                <a:latin typeface="Input" charset="0"/>
+                <a:ea typeface="Input" charset="0"/>
+                <a:cs typeface="Input" charset="0"/>
+              </a:rPr>
+              <a:t> </a:t>
+            </a:r>
+            <a:r>
+              <a:rPr lang="en-US" sz="1400" dirty="0" err="1">
+                <a:latin typeface="Input" charset="0"/>
+                <a:ea typeface="Input" charset="0"/>
+                <a:cs typeface="Input" charset="0"/>
+              </a:rPr>
+              <a:t>arrowNode</a:t>
+            </a:r>
+            <a:r>
+              <a:rPr lang="en-US" sz="1400" dirty="0">
+                <a:latin typeface="Input" charset="0"/>
+                <a:ea typeface="Input" charset="0"/>
+                <a:cs typeface="Input" charset="0"/>
+              </a:rPr>
+              <a:t> = </a:t>
+            </a:r>
+            <a:r>
+              <a:rPr lang="en-US" sz="1400" dirty="0" err="1">
+                <a:latin typeface="Input" charset="0"/>
+                <a:ea typeface="Input" charset="0"/>
+                <a:cs typeface="Input" charset="0"/>
+              </a:rPr>
+              <a:t>createArrowNode</a:t>
+            </a:r>
+            <a:r>
+              <a:rPr lang="en-US" sz="1400" dirty="0">
+                <a:latin typeface="Input" charset="0"/>
+                <a:ea typeface="Input" charset="0"/>
+                <a:cs typeface="Input" charset="0"/>
+              </a:rPr>
+              <a:t>() </a:t>
+            </a:r>
+            <a:endParaRPr lang="en-US" sz="1400" dirty="0" smtClean="0">
+              <a:latin typeface="Input" charset="0"/>
+              <a:ea typeface="Input" charset="0"/>
+              <a:cs typeface="Input" charset="0"/>
+            </a:endParaRPr>
+          </a:p>
+          <a:p>
+            <a:pPr marL="0" indent="0">
+              <a:lnSpc>
+                <a:spcPct val="100000"/>
+              </a:lnSpc>
+              <a:buNone/>
+            </a:pPr>
+            <a:r>
+              <a:rPr lang="en-US" sz="1400" dirty="0" err="1" smtClean="0">
+                <a:latin typeface="Input" charset="0"/>
+                <a:ea typeface="Input" charset="0"/>
+                <a:cs typeface="Input" charset="0"/>
+              </a:rPr>
+              <a:t>arrowNode.transform</a:t>
+            </a:r>
+            <a:r>
+              <a:rPr lang="en-US" sz="1400" dirty="0" smtClean="0">
+                <a:latin typeface="Input" charset="0"/>
+                <a:ea typeface="Input" charset="0"/>
+                <a:cs typeface="Input" charset="0"/>
+              </a:rPr>
+              <a:t> </a:t>
+            </a:r>
+            <a:r>
+              <a:rPr lang="en-US" sz="1400" dirty="0">
+                <a:latin typeface="Input" charset="0"/>
+                <a:ea typeface="Input" charset="0"/>
+                <a:cs typeface="Input" charset="0"/>
+              </a:rPr>
+              <a:t>= </a:t>
+            </a:r>
+            <a:r>
+              <a:rPr lang="en-US" sz="1400" dirty="0">
+                <a:solidFill>
+                  <a:srgbClr val="445588"/>
+                </a:solidFill>
+                <a:latin typeface="Input" charset="0"/>
+                <a:ea typeface="Input" charset="0"/>
+                <a:cs typeface="Input" charset="0"/>
+              </a:rPr>
+              <a:t>SCNMatrix4Mult</a:t>
+            </a:r>
+            <a:r>
+              <a:rPr lang="en-US" sz="1400" dirty="0">
+                <a:latin typeface="Input" charset="0"/>
+                <a:ea typeface="Input" charset="0"/>
+                <a:cs typeface="Input" charset="0"/>
+              </a:rPr>
+              <a:t>(</a:t>
+            </a:r>
+            <a:r>
+              <a:rPr lang="en-US" sz="1400" dirty="0" err="1">
+                <a:latin typeface="Input" charset="0"/>
+                <a:ea typeface="Input" charset="0"/>
+                <a:cs typeface="Input" charset="0"/>
+              </a:rPr>
+              <a:t>arrowNode.transform</a:t>
+            </a:r>
+            <a:r>
+              <a:rPr lang="en-US" sz="1400" dirty="0">
+                <a:latin typeface="Input" charset="0"/>
+                <a:ea typeface="Input" charset="0"/>
+                <a:cs typeface="Input" charset="0"/>
+              </a:rPr>
+              <a:t>, </a:t>
+            </a:r>
+            <a:r>
+              <a:rPr lang="en-US" sz="1400" dirty="0">
+                <a:solidFill>
+                  <a:srgbClr val="445588"/>
+                </a:solidFill>
+                <a:latin typeface="Input" charset="0"/>
+                <a:ea typeface="Input" charset="0"/>
+                <a:cs typeface="Input" charset="0"/>
+              </a:rPr>
+              <a:t>SCNMatrix4MakeRotation</a:t>
+            </a:r>
+            <a:r>
+              <a:rPr lang="en-US" sz="1400" dirty="0">
+                <a:latin typeface="Input" charset="0"/>
+                <a:ea typeface="Input" charset="0"/>
+                <a:cs typeface="Input" charset="0"/>
+              </a:rPr>
+              <a:t>(bearing, </a:t>
+            </a:r>
+            <a:r>
+              <a:rPr lang="en-US" sz="1400" dirty="0">
+                <a:solidFill>
+                  <a:srgbClr val="008080"/>
+                </a:solidFill>
+                <a:latin typeface="Input" charset="0"/>
+                <a:ea typeface="Input" charset="0"/>
+                <a:cs typeface="Input" charset="0"/>
+              </a:rPr>
+              <a:t>0.0</a:t>
+            </a:r>
+            <a:r>
+              <a:rPr lang="en-US" sz="1400" dirty="0">
+                <a:latin typeface="Input" charset="0"/>
+                <a:ea typeface="Input" charset="0"/>
+                <a:cs typeface="Input" charset="0"/>
+              </a:rPr>
+              <a:t>, </a:t>
+            </a:r>
+            <a:r>
+              <a:rPr lang="en-US" sz="1400" dirty="0">
+                <a:solidFill>
+                  <a:srgbClr val="008080"/>
+                </a:solidFill>
+                <a:latin typeface="Input" charset="0"/>
+                <a:ea typeface="Input" charset="0"/>
+                <a:cs typeface="Input" charset="0"/>
+              </a:rPr>
+              <a:t>1.0</a:t>
+            </a:r>
+            <a:r>
+              <a:rPr lang="en-US" sz="1400" dirty="0">
+                <a:latin typeface="Input" charset="0"/>
+                <a:ea typeface="Input" charset="0"/>
+                <a:cs typeface="Input" charset="0"/>
+              </a:rPr>
+              <a:t>, </a:t>
+            </a:r>
+            <a:r>
+              <a:rPr lang="en-US" sz="1400" dirty="0">
+                <a:solidFill>
+                  <a:srgbClr val="008080"/>
+                </a:solidFill>
+                <a:latin typeface="Input" charset="0"/>
+                <a:ea typeface="Input" charset="0"/>
+                <a:cs typeface="Input" charset="0"/>
+              </a:rPr>
+              <a:t>0.0</a:t>
+            </a:r>
+            <a:r>
+              <a:rPr lang="en-US" sz="1400" dirty="0">
+                <a:latin typeface="Input" charset="0"/>
+                <a:ea typeface="Input" charset="0"/>
+                <a:cs typeface="Input" charset="0"/>
+              </a:rPr>
+              <a:t>)) </a:t>
+            </a:r>
+            <a:r>
+              <a:rPr lang="en-US" sz="1400" dirty="0">
+                <a:solidFill>
+                  <a:srgbClr val="999988"/>
+                </a:solidFill>
+                <a:latin typeface="Input" charset="0"/>
+                <a:ea typeface="Input" charset="0"/>
+                <a:cs typeface="Input" charset="0"/>
+              </a:rPr>
+              <a:t>// Rotate </a:t>
+            </a:r>
+            <a:r>
+              <a:rPr lang="en-US" sz="1400" dirty="0" err="1">
+                <a:solidFill>
+                  <a:srgbClr val="999988"/>
+                </a:solidFill>
+                <a:latin typeface="Input" charset="0"/>
+                <a:ea typeface="Input" charset="0"/>
+                <a:cs typeface="Input" charset="0"/>
+              </a:rPr>
+              <a:t>arrowNode</a:t>
+            </a:r>
+            <a:r>
+              <a:rPr lang="en-US" sz="1400" dirty="0">
+                <a:solidFill>
+                  <a:srgbClr val="999988"/>
+                </a:solidFill>
+                <a:latin typeface="Input" charset="0"/>
+                <a:ea typeface="Input" charset="0"/>
+                <a:cs typeface="Input" charset="0"/>
+              </a:rPr>
+              <a:t> around the y-axis by bearing radians</a:t>
+            </a:r>
+            <a:r>
+              <a:rPr lang="en-US" sz="1400" dirty="0">
+                <a:latin typeface="Input" charset="0"/>
+                <a:ea typeface="Input" charset="0"/>
+                <a:cs typeface="Input" charset="0"/>
+              </a:rPr>
+              <a:t> </a:t>
+            </a:r>
+            <a:endParaRPr lang="en-US" sz="1400" dirty="0" smtClean="0">
+              <a:latin typeface="Input" charset="0"/>
+              <a:ea typeface="Input" charset="0"/>
+              <a:cs typeface="Input" charset="0"/>
+            </a:endParaRPr>
+          </a:p>
+          <a:p>
+            <a:pPr marL="0" indent="0">
+              <a:lnSpc>
+                <a:spcPct val="100000"/>
+              </a:lnSpc>
+              <a:buNone/>
+            </a:pPr>
+            <a:r>
+              <a:rPr lang="en-US" sz="1400" dirty="0" err="1" smtClean="0">
+                <a:latin typeface="Input" charset="0"/>
+                <a:ea typeface="Input" charset="0"/>
+                <a:cs typeface="Input" charset="0"/>
+              </a:rPr>
+              <a:t>sceneView.scene.rootNode.addChildNode</a:t>
+            </a:r>
+            <a:r>
+              <a:rPr lang="en-US" sz="1400" dirty="0" smtClean="0">
+                <a:latin typeface="Input" charset="0"/>
+                <a:ea typeface="Input" charset="0"/>
+                <a:cs typeface="Input" charset="0"/>
+              </a:rPr>
+              <a:t>(</a:t>
+            </a:r>
+            <a:r>
+              <a:rPr lang="en-US" sz="1400" dirty="0" err="1" smtClean="0">
+                <a:latin typeface="Input" charset="0"/>
+                <a:ea typeface="Input" charset="0"/>
+                <a:cs typeface="Input" charset="0"/>
+              </a:rPr>
+              <a:t>arrowNode</a:t>
+            </a:r>
+            <a:r>
+              <a:rPr lang="en-US" sz="1400" dirty="0" smtClean="0">
+                <a:latin typeface="Input" charset="0"/>
+                <a:ea typeface="Input" charset="0"/>
+                <a:cs typeface="Input" charset="0"/>
+              </a:rPr>
+              <a:t>)</a:t>
+            </a:r>
+          </a:p>
+          <a:p>
+            <a:pPr marL="0" indent="0">
+              <a:lnSpc>
+                <a:spcPct val="100000"/>
+              </a:lnSpc>
+              <a:buNone/>
+            </a:pPr>
+            <a:r>
+              <a:rPr lang="en-US" sz="1400" dirty="0" smtClean="0">
+                <a:solidFill>
+                  <a:srgbClr val="333333"/>
+                </a:solidFill>
+                <a:latin typeface="Input" charset="0"/>
+                <a:ea typeface="Input" charset="0"/>
+                <a:cs typeface="Input" charset="0"/>
+              </a:rPr>
+              <a:t>extension</a:t>
+            </a:r>
+            <a:r>
+              <a:rPr lang="en-US" sz="1400" dirty="0" smtClean="0">
+                <a:latin typeface="Input" charset="0"/>
+                <a:ea typeface="Input" charset="0"/>
+                <a:cs typeface="Input" charset="0"/>
+              </a:rPr>
+              <a:t> </a:t>
+            </a:r>
+            <a:r>
+              <a:rPr lang="en-US" sz="1400" dirty="0">
+                <a:solidFill>
+                  <a:srgbClr val="445588"/>
+                </a:solidFill>
+                <a:latin typeface="Input" charset="0"/>
+                <a:ea typeface="Input" charset="0"/>
+                <a:cs typeface="Input" charset="0"/>
+              </a:rPr>
+              <a:t>CLLocationCoordinate2D</a:t>
+            </a:r>
+            <a:r>
+              <a:rPr lang="en-US" sz="1400" dirty="0">
+                <a:latin typeface="Input" charset="0"/>
+                <a:ea typeface="Input" charset="0"/>
+                <a:cs typeface="Input" charset="0"/>
+              </a:rPr>
+              <a:t> {     </a:t>
+            </a:r>
+            <a:endParaRPr lang="en-US" sz="1400" dirty="0" smtClean="0">
+              <a:latin typeface="Input" charset="0"/>
+              <a:ea typeface="Input" charset="0"/>
+              <a:cs typeface="Input" charset="0"/>
+            </a:endParaRPr>
+          </a:p>
+          <a:p>
+            <a:pPr marL="0" indent="0">
+              <a:lnSpc>
+                <a:spcPct val="100000"/>
+              </a:lnSpc>
+              <a:buNone/>
+            </a:pPr>
+            <a:r>
+              <a:rPr lang="en-US" sz="1400" dirty="0">
+                <a:solidFill>
+                  <a:srgbClr val="333333"/>
+                </a:solidFill>
+                <a:latin typeface="Input" charset="0"/>
+                <a:ea typeface="Input" charset="0"/>
+                <a:cs typeface="Input" charset="0"/>
+              </a:rPr>
+              <a:t>	</a:t>
+            </a:r>
+            <a:r>
+              <a:rPr lang="en-US" sz="1400" dirty="0" err="1" smtClean="0">
+                <a:solidFill>
+                  <a:srgbClr val="333333"/>
+                </a:solidFill>
+                <a:latin typeface="Input" charset="0"/>
+                <a:ea typeface="Input" charset="0"/>
+                <a:cs typeface="Input" charset="0"/>
+              </a:rPr>
+              <a:t>func</a:t>
+            </a:r>
+            <a:r>
+              <a:rPr lang="en-US" sz="1400" dirty="0" smtClean="0">
+                <a:latin typeface="Input" charset="0"/>
+                <a:ea typeface="Input" charset="0"/>
+                <a:cs typeface="Input" charset="0"/>
+              </a:rPr>
+              <a:t> </a:t>
+            </a:r>
+            <a:r>
+              <a:rPr lang="en-US" sz="1400" dirty="0" err="1">
+                <a:solidFill>
+                  <a:srgbClr val="990000"/>
+                </a:solidFill>
+                <a:latin typeface="Input" charset="0"/>
+                <a:ea typeface="Input" charset="0"/>
+                <a:cs typeface="Input" charset="0"/>
+              </a:rPr>
+              <a:t>calculateBearing</a:t>
+            </a:r>
+            <a:r>
+              <a:rPr lang="en-US" sz="1400" dirty="0">
+                <a:latin typeface="Input" charset="0"/>
+                <a:ea typeface="Input" charset="0"/>
+                <a:cs typeface="Input" charset="0"/>
+              </a:rPr>
+              <a:t>(to coordinate: CLLocationCoordinate2D) -&gt; </a:t>
+            </a:r>
+            <a:r>
+              <a:rPr lang="en-US" sz="1400" dirty="0">
+                <a:solidFill>
+                  <a:srgbClr val="445588"/>
+                </a:solidFill>
+                <a:latin typeface="Input" charset="0"/>
+                <a:ea typeface="Input" charset="0"/>
+                <a:cs typeface="Input" charset="0"/>
+              </a:rPr>
+              <a:t>Double</a:t>
+            </a:r>
+            <a:r>
+              <a:rPr lang="en-US" sz="1400" dirty="0">
+                <a:latin typeface="Input" charset="0"/>
+                <a:ea typeface="Input" charset="0"/>
+                <a:cs typeface="Input" charset="0"/>
+              </a:rPr>
+              <a:t> </a:t>
+            </a:r>
+            <a:r>
+              <a:rPr lang="en-US" sz="1400" dirty="0" smtClean="0">
+                <a:latin typeface="Input" charset="0"/>
+                <a:ea typeface="Input" charset="0"/>
+                <a:cs typeface="Input" charset="0"/>
+              </a:rPr>
+              <a:t>{ </a:t>
+            </a:r>
+            <a:r>
+              <a:rPr lang="en-US" sz="1400" dirty="0">
+                <a:latin typeface="Input" charset="0"/>
+                <a:ea typeface="Input" charset="0"/>
+                <a:cs typeface="Input" charset="0"/>
+              </a:rPr>
+              <a:t>        </a:t>
+            </a:r>
+            <a:endParaRPr lang="en-US" sz="1400" dirty="0" smtClean="0">
+              <a:latin typeface="Input" charset="0"/>
+              <a:ea typeface="Input" charset="0"/>
+              <a:cs typeface="Input" charset="0"/>
+            </a:endParaRPr>
+          </a:p>
+          <a:p>
+            <a:pPr marL="0" indent="0">
+              <a:lnSpc>
+                <a:spcPct val="100000"/>
+              </a:lnSpc>
+              <a:buNone/>
+            </a:pPr>
+            <a:r>
+              <a:rPr lang="en-US" sz="1400" dirty="0">
+                <a:solidFill>
+                  <a:srgbClr val="333333"/>
+                </a:solidFill>
+                <a:latin typeface="Input" charset="0"/>
+                <a:ea typeface="Input" charset="0"/>
+                <a:cs typeface="Input" charset="0"/>
+              </a:rPr>
+              <a:t>	</a:t>
+            </a:r>
+            <a:r>
+              <a:rPr lang="en-US" sz="1400" dirty="0" smtClean="0">
+                <a:solidFill>
+                  <a:srgbClr val="333333"/>
+                </a:solidFill>
+                <a:latin typeface="Input" charset="0"/>
+                <a:ea typeface="Input" charset="0"/>
+                <a:cs typeface="Input" charset="0"/>
+              </a:rPr>
+              <a:t>	let</a:t>
+            </a:r>
+            <a:r>
+              <a:rPr lang="en-US" sz="1400" dirty="0" smtClean="0">
+                <a:latin typeface="Input" charset="0"/>
+                <a:ea typeface="Input" charset="0"/>
+                <a:cs typeface="Input" charset="0"/>
+              </a:rPr>
+              <a:t> </a:t>
+            </a:r>
+            <a:r>
+              <a:rPr lang="en-US" sz="1400" dirty="0">
+                <a:latin typeface="Input" charset="0"/>
+                <a:ea typeface="Input" charset="0"/>
+                <a:cs typeface="Input" charset="0"/>
+              </a:rPr>
+              <a:t>a = sin(</a:t>
+            </a:r>
+            <a:r>
+              <a:rPr lang="en-US" sz="1400" dirty="0" err="1">
+                <a:latin typeface="Input" charset="0"/>
+                <a:ea typeface="Input" charset="0"/>
+                <a:cs typeface="Input" charset="0"/>
+              </a:rPr>
+              <a:t>coordinate.longitude.toRadians</a:t>
+            </a:r>
+            <a:r>
+              <a:rPr lang="en-US" sz="1400" dirty="0">
+                <a:latin typeface="Input" charset="0"/>
+                <a:ea typeface="Input" charset="0"/>
+                <a:cs typeface="Input" charset="0"/>
+              </a:rPr>
+              <a:t>() - </a:t>
+            </a:r>
+            <a:r>
+              <a:rPr lang="en-US" sz="1400" dirty="0" err="1">
+                <a:latin typeface="Input" charset="0"/>
+                <a:ea typeface="Input" charset="0"/>
+                <a:cs typeface="Input" charset="0"/>
+              </a:rPr>
+              <a:t>longitude.toRadians</a:t>
+            </a:r>
+            <a:r>
+              <a:rPr lang="en-US" sz="1400" dirty="0">
+                <a:latin typeface="Input" charset="0"/>
+                <a:ea typeface="Input" charset="0"/>
+                <a:cs typeface="Input" charset="0"/>
+              </a:rPr>
+              <a:t>()) * </a:t>
+            </a:r>
+            <a:r>
+              <a:rPr lang="en-US" sz="1400" dirty="0" smtClean="0">
+                <a:latin typeface="Input" charset="0"/>
+                <a:ea typeface="Input" charset="0"/>
+                <a:cs typeface="Input" charset="0"/>
+              </a:rPr>
+              <a:t>		cos(</a:t>
+            </a:r>
+            <a:r>
+              <a:rPr lang="en-US" sz="1400" dirty="0" err="1" smtClean="0">
+                <a:latin typeface="Input" charset="0"/>
+                <a:ea typeface="Input" charset="0"/>
+                <a:cs typeface="Input" charset="0"/>
+              </a:rPr>
+              <a:t>coordinate.latitude.toRadians</a:t>
+            </a:r>
+            <a:r>
+              <a:rPr lang="en-US" sz="1400" dirty="0">
+                <a:latin typeface="Input" charset="0"/>
+                <a:ea typeface="Input" charset="0"/>
+                <a:cs typeface="Input" charset="0"/>
+              </a:rPr>
+              <a:t>())         </a:t>
+            </a:r>
+            <a:endParaRPr lang="en-US" sz="1400" dirty="0" smtClean="0">
+              <a:latin typeface="Input" charset="0"/>
+              <a:ea typeface="Input" charset="0"/>
+              <a:cs typeface="Input" charset="0"/>
+            </a:endParaRPr>
+          </a:p>
+          <a:p>
+            <a:pPr marL="0" indent="0">
+              <a:lnSpc>
+                <a:spcPct val="100000"/>
+              </a:lnSpc>
+              <a:buNone/>
+            </a:pPr>
+            <a:r>
+              <a:rPr lang="en-US" sz="1400" dirty="0">
+                <a:solidFill>
+                  <a:srgbClr val="333333"/>
+                </a:solidFill>
+                <a:latin typeface="Input" charset="0"/>
+                <a:ea typeface="Input" charset="0"/>
+                <a:cs typeface="Input" charset="0"/>
+              </a:rPr>
+              <a:t>	</a:t>
+            </a:r>
+            <a:r>
+              <a:rPr lang="en-US" sz="1400" dirty="0" smtClean="0">
+                <a:solidFill>
+                  <a:srgbClr val="333333"/>
+                </a:solidFill>
+                <a:latin typeface="Input" charset="0"/>
+                <a:ea typeface="Input" charset="0"/>
+                <a:cs typeface="Input" charset="0"/>
+              </a:rPr>
+              <a:t>	let</a:t>
+            </a:r>
+            <a:r>
+              <a:rPr lang="en-US" sz="1400" dirty="0" smtClean="0">
+                <a:latin typeface="Input" charset="0"/>
+                <a:ea typeface="Input" charset="0"/>
+                <a:cs typeface="Input" charset="0"/>
+              </a:rPr>
+              <a:t> </a:t>
+            </a:r>
+            <a:r>
+              <a:rPr lang="en-US" sz="1400" dirty="0">
+                <a:latin typeface="Input" charset="0"/>
+                <a:ea typeface="Input" charset="0"/>
+                <a:cs typeface="Input" charset="0"/>
+              </a:rPr>
+              <a:t>b = cos(</a:t>
+            </a:r>
+            <a:r>
+              <a:rPr lang="en-US" sz="1400" dirty="0" err="1">
+                <a:latin typeface="Input" charset="0"/>
+                <a:ea typeface="Input" charset="0"/>
+                <a:cs typeface="Input" charset="0"/>
+              </a:rPr>
+              <a:t>latitude.toRadians</a:t>
+            </a:r>
+            <a:r>
+              <a:rPr lang="en-US" sz="1400" dirty="0">
+                <a:latin typeface="Input" charset="0"/>
+                <a:ea typeface="Input" charset="0"/>
+                <a:cs typeface="Input" charset="0"/>
+              </a:rPr>
+              <a:t>()) * sin(</a:t>
+            </a:r>
+            <a:r>
+              <a:rPr lang="en-US" sz="1400" dirty="0" err="1">
+                <a:latin typeface="Input" charset="0"/>
+                <a:ea typeface="Input" charset="0"/>
+                <a:cs typeface="Input" charset="0"/>
+              </a:rPr>
+              <a:t>coordinate.latitude.toRadians</a:t>
+            </a:r>
+            <a:r>
+              <a:rPr lang="en-US" sz="1400" dirty="0">
+                <a:latin typeface="Input" charset="0"/>
+                <a:ea typeface="Input" charset="0"/>
+                <a:cs typeface="Input" charset="0"/>
+              </a:rPr>
+              <a:t>()) - </a:t>
+            </a:r>
+            <a:r>
+              <a:rPr lang="en-US" sz="1400" dirty="0" smtClean="0">
+                <a:latin typeface="Input" charset="0"/>
+                <a:ea typeface="Input" charset="0"/>
+                <a:cs typeface="Input" charset="0"/>
+              </a:rPr>
+              <a:t>	sin(</a:t>
+            </a:r>
+            <a:r>
+              <a:rPr lang="en-US" sz="1400" dirty="0" err="1" smtClean="0">
+                <a:latin typeface="Input" charset="0"/>
+                <a:ea typeface="Input" charset="0"/>
+                <a:cs typeface="Input" charset="0"/>
+              </a:rPr>
+              <a:t>latitude.toRadians</a:t>
+            </a:r>
+            <a:r>
+              <a:rPr lang="en-US" sz="1400" dirty="0">
+                <a:latin typeface="Input" charset="0"/>
+                <a:ea typeface="Input" charset="0"/>
+                <a:cs typeface="Input" charset="0"/>
+              </a:rPr>
+              <a:t>()) * cos(</a:t>
+            </a:r>
+            <a:r>
+              <a:rPr lang="en-US" sz="1400" dirty="0" err="1">
+                <a:latin typeface="Input" charset="0"/>
+                <a:ea typeface="Input" charset="0"/>
+                <a:cs typeface="Input" charset="0"/>
+              </a:rPr>
+              <a:t>coordinate.latitude.toRadians</a:t>
+            </a:r>
+            <a:r>
+              <a:rPr lang="en-US" sz="1400" dirty="0">
+                <a:latin typeface="Input" charset="0"/>
+                <a:ea typeface="Input" charset="0"/>
+                <a:cs typeface="Input" charset="0"/>
+              </a:rPr>
+              <a:t>()) * </a:t>
+            </a:r>
+            <a:r>
+              <a:rPr lang="en-US" sz="1400" dirty="0" smtClean="0">
+                <a:latin typeface="Input" charset="0"/>
+                <a:ea typeface="Input" charset="0"/>
+                <a:cs typeface="Input" charset="0"/>
+              </a:rPr>
+              <a:t>	cos(</a:t>
+            </a:r>
+            <a:r>
+              <a:rPr lang="en-US" sz="1400" dirty="0" err="1" smtClean="0">
+                <a:latin typeface="Input" charset="0"/>
+                <a:ea typeface="Input" charset="0"/>
+                <a:cs typeface="Input" charset="0"/>
+              </a:rPr>
+              <a:t>coordinate.longitude.toRadians</a:t>
+            </a:r>
+            <a:r>
+              <a:rPr lang="en-US" sz="1400" dirty="0">
+                <a:latin typeface="Input" charset="0"/>
+                <a:ea typeface="Input" charset="0"/>
+                <a:cs typeface="Input" charset="0"/>
+              </a:rPr>
+              <a:t>() </a:t>
+            </a:r>
+            <a:r>
+              <a:rPr lang="mr-IN" sz="1400" dirty="0" smtClean="0">
+                <a:latin typeface="Input" charset="0"/>
+                <a:ea typeface="Input" charset="0"/>
+                <a:cs typeface="Input" charset="0"/>
+              </a:rPr>
+              <a:t>–</a:t>
+            </a:r>
+            <a:r>
+              <a:rPr lang="en-US" sz="1400" dirty="0" smtClean="0">
+                <a:latin typeface="Input" charset="0"/>
+                <a:ea typeface="Input" charset="0"/>
+                <a:cs typeface="Input" charset="0"/>
+              </a:rPr>
+              <a:t> l	</a:t>
+            </a:r>
+            <a:r>
+              <a:rPr lang="en-US" sz="1400" dirty="0" err="1" smtClean="0">
+                <a:latin typeface="Input" charset="0"/>
+                <a:ea typeface="Input" charset="0"/>
+                <a:cs typeface="Input" charset="0"/>
+              </a:rPr>
+              <a:t>ongitude.toRadians</a:t>
+            </a:r>
+            <a:r>
+              <a:rPr lang="en-US" sz="1400" dirty="0">
+                <a:latin typeface="Input" charset="0"/>
+                <a:ea typeface="Input" charset="0"/>
+                <a:cs typeface="Input" charset="0"/>
+              </a:rPr>
+              <a:t>())         </a:t>
+            </a:r>
+            <a:endParaRPr lang="en-US" sz="1400" dirty="0" smtClean="0">
+              <a:latin typeface="Input" charset="0"/>
+              <a:ea typeface="Input" charset="0"/>
+              <a:cs typeface="Input" charset="0"/>
+            </a:endParaRPr>
+          </a:p>
+          <a:p>
+            <a:pPr marL="0" indent="0">
+              <a:lnSpc>
+                <a:spcPct val="100000"/>
+              </a:lnSpc>
+              <a:buNone/>
+            </a:pPr>
+            <a:r>
+              <a:rPr lang="en-US" sz="1400" dirty="0">
+                <a:solidFill>
+                  <a:srgbClr val="333333"/>
+                </a:solidFill>
+                <a:latin typeface="Input" charset="0"/>
+                <a:ea typeface="Input" charset="0"/>
+                <a:cs typeface="Input" charset="0"/>
+              </a:rPr>
+              <a:t>	</a:t>
+            </a:r>
+            <a:r>
+              <a:rPr lang="en-US" sz="1400" dirty="0" smtClean="0">
+                <a:solidFill>
+                  <a:srgbClr val="333333"/>
+                </a:solidFill>
+                <a:latin typeface="Input" charset="0"/>
+                <a:ea typeface="Input" charset="0"/>
+                <a:cs typeface="Input" charset="0"/>
+              </a:rPr>
+              <a:t>return</a:t>
+            </a:r>
+            <a:r>
+              <a:rPr lang="en-US" sz="1400" dirty="0" smtClean="0">
+                <a:latin typeface="Input" charset="0"/>
+                <a:ea typeface="Input" charset="0"/>
+                <a:cs typeface="Input" charset="0"/>
+              </a:rPr>
+              <a:t> </a:t>
+            </a:r>
+            <a:r>
+              <a:rPr lang="en-US" sz="1400" dirty="0">
+                <a:latin typeface="Input" charset="0"/>
+                <a:ea typeface="Input" charset="0"/>
+                <a:cs typeface="Input" charset="0"/>
+              </a:rPr>
+              <a:t>atan2(a, b) </a:t>
+            </a:r>
+            <a:endParaRPr lang="en-US" sz="1400" dirty="0" smtClean="0">
+              <a:latin typeface="Input" charset="0"/>
+              <a:ea typeface="Input" charset="0"/>
+              <a:cs typeface="Input" charset="0"/>
+            </a:endParaRPr>
+          </a:p>
+          <a:p>
+            <a:pPr marL="0" indent="0">
+              <a:lnSpc>
+                <a:spcPct val="100000"/>
+              </a:lnSpc>
+              <a:buNone/>
+            </a:pPr>
+            <a:r>
+              <a:rPr lang="en-US" sz="1400" dirty="0">
+                <a:latin typeface="Input" charset="0"/>
+                <a:ea typeface="Input" charset="0"/>
+                <a:cs typeface="Input" charset="0"/>
+              </a:rPr>
+              <a:t>	</a:t>
+            </a:r>
+            <a:r>
+              <a:rPr lang="en-US" sz="1400" dirty="0" smtClean="0">
+                <a:latin typeface="Input" charset="0"/>
+                <a:ea typeface="Input" charset="0"/>
+                <a:cs typeface="Input" charset="0"/>
+              </a:rPr>
+              <a:t>} </a:t>
+            </a:r>
+          </a:p>
+          <a:p>
+            <a:pPr marL="0" indent="0">
+              <a:lnSpc>
+                <a:spcPct val="100000"/>
+              </a:lnSpc>
+              <a:buNone/>
+            </a:pPr>
+            <a:r>
+              <a:rPr lang="en-US" sz="1400" dirty="0" smtClean="0">
+                <a:latin typeface="Input" charset="0"/>
+                <a:ea typeface="Input" charset="0"/>
+                <a:cs typeface="Input" charset="0"/>
+              </a:rPr>
+              <a:t>}</a:t>
+            </a:r>
+            <a:endParaRPr lang="en-US" dirty="0">
+              <a:latin typeface="Input" charset="0"/>
+              <a:ea typeface="Input" charset="0"/>
+              <a:cs typeface="Input" charset="0"/>
+            </a:endParaRPr>
+          </a:p>
+        </p:txBody>
+      </p:sp>
     </p:spTree>
     <p:extLst>
       <p:ext uri="{BB962C8B-B14F-4D97-AF65-F5344CB8AC3E}">
-        <p14:creationId xmlns:p14="http://schemas.microsoft.com/office/powerpoint/2010/main" val="1912832513"/>
+        <p14:creationId xmlns:p14="http://schemas.microsoft.com/office/powerpoint/2010/main" val="442669607"/>
       </p:ext>
     </p:extLst>
   </p:cSld>
